--- a/courses/theory/slides/lec17-concolic.pptx
+++ b/courses/theory/slides/lec17-concolic.pptx
@@ -7140,7 +7140,7 @@
           <p:nvPr>
             <p:extLst>
               <p:ext uri="{D42A27DB-BD31-4B8C-83A1-F6EECF244321}">
-                <p14:modId xmlns:p14="http://schemas.microsoft.com/office/powerpoint/2010/main" val="3801769492"/>
+                <p14:modId xmlns:p14="http://schemas.microsoft.com/office/powerpoint/2010/main" val="1653809338"/>
               </p:ext>
             </p:extLst>
           </p:nvPr>
@@ -7185,10 +7185,18 @@
                     <a:lstStyle/>
                     <a:p>
                       <a:r>
-                        <a:rPr lang="en-US" altLang="zh-CN" dirty="0"/>
+                        <a:rPr lang="en-US" altLang="zh-CN" dirty="0">
+                          <a:solidFill>
+                            <a:schemeClr val="tx1"/>
+                          </a:solidFill>
+                        </a:rPr>
                         <a:t>Variable</a:t>
                       </a:r>
-                      <a:endParaRPr lang="zh-CN" altLang="en-US" dirty="0"/>
+                      <a:endParaRPr lang="zh-CN" altLang="en-US" dirty="0">
+                        <a:solidFill>
+                          <a:schemeClr val="tx1"/>
+                        </a:solidFill>
+                      </a:endParaRPr>
                     </a:p>
                   </a:txBody>
                   <a:tcPr/>
@@ -7199,10 +7207,18 @@
                     <a:lstStyle/>
                     <a:p>
                       <a:r>
-                        <a:rPr lang="en-US" altLang="zh-CN" dirty="0"/>
+                        <a:rPr lang="en-US" altLang="zh-CN" dirty="0">
+                          <a:solidFill>
+                            <a:schemeClr val="tx1"/>
+                          </a:solidFill>
+                        </a:rPr>
                         <a:t>value</a:t>
                       </a:r>
-                      <a:endParaRPr lang="zh-CN" altLang="en-US" dirty="0"/>
+                      <a:endParaRPr lang="zh-CN" altLang="en-US" dirty="0">
+                        <a:solidFill>
+                          <a:schemeClr val="tx1"/>
+                        </a:solidFill>
+                      </a:endParaRPr>
                     </a:p>
                   </a:txBody>
                   <a:tcPr/>
@@ -7213,10 +7229,18 @@
                     <a:lstStyle/>
                     <a:p>
                       <a:r>
-                        <a:rPr lang="en-US" altLang="zh-CN" dirty="0" err="1"/>
+                        <a:rPr lang="en-US" altLang="zh-CN" dirty="0" err="1">
+                          <a:solidFill>
+                            <a:schemeClr val="tx1"/>
+                          </a:solidFill>
+                        </a:rPr>
                         <a:t>sym.value</a:t>
                       </a:r>
-                      <a:endParaRPr lang="zh-CN" altLang="en-US" dirty="0"/>
+                      <a:endParaRPr lang="zh-CN" altLang="en-US" dirty="0">
+                        <a:solidFill>
+                          <a:schemeClr val="tx1"/>
+                        </a:solidFill>
+                      </a:endParaRPr>
                     </a:p>
                   </a:txBody>
                   <a:tcPr/>
@@ -8123,7 +8147,7 @@
           <p:nvPr>
             <p:extLst>
               <p:ext uri="{D42A27DB-BD31-4B8C-83A1-F6EECF244321}">
-                <p14:modId xmlns:p14="http://schemas.microsoft.com/office/powerpoint/2010/main" val="1947951989"/>
+                <p14:modId xmlns:p14="http://schemas.microsoft.com/office/powerpoint/2010/main" val="2207055302"/>
               </p:ext>
             </p:extLst>
           </p:nvPr>
@@ -8168,10 +8192,18 @@
                     <a:lstStyle/>
                     <a:p>
                       <a:r>
-                        <a:rPr lang="en-US" altLang="zh-CN" dirty="0"/>
+                        <a:rPr lang="en-US" altLang="zh-CN" dirty="0">
+                          <a:solidFill>
+                            <a:schemeClr val="tx1"/>
+                          </a:solidFill>
+                        </a:rPr>
                         <a:t>Variable</a:t>
                       </a:r>
-                      <a:endParaRPr lang="zh-CN" altLang="en-US" dirty="0"/>
+                      <a:endParaRPr lang="zh-CN" altLang="en-US" dirty="0">
+                        <a:solidFill>
+                          <a:schemeClr val="tx1"/>
+                        </a:solidFill>
+                      </a:endParaRPr>
                     </a:p>
                   </a:txBody>
                   <a:tcPr/>
@@ -8182,10 +8214,18 @@
                     <a:lstStyle/>
                     <a:p>
                       <a:r>
-                        <a:rPr lang="en-US" altLang="zh-CN" dirty="0"/>
+                        <a:rPr lang="en-US" altLang="zh-CN" dirty="0">
+                          <a:solidFill>
+                            <a:schemeClr val="tx1"/>
+                          </a:solidFill>
+                        </a:rPr>
                         <a:t>value</a:t>
                       </a:r>
-                      <a:endParaRPr lang="zh-CN" altLang="en-US" dirty="0"/>
+                      <a:endParaRPr lang="zh-CN" altLang="en-US" dirty="0">
+                        <a:solidFill>
+                          <a:schemeClr val="tx1"/>
+                        </a:solidFill>
+                      </a:endParaRPr>
                     </a:p>
                   </a:txBody>
                   <a:tcPr/>
@@ -8196,10 +8236,18 @@
                     <a:lstStyle/>
                     <a:p>
                       <a:r>
-                        <a:rPr lang="en-US" altLang="zh-CN" dirty="0" err="1"/>
+                        <a:rPr lang="en-US" altLang="zh-CN" dirty="0" err="1">
+                          <a:solidFill>
+                            <a:schemeClr val="tx1"/>
+                          </a:solidFill>
+                        </a:rPr>
                         <a:t>sym.value</a:t>
                       </a:r>
-                      <a:endParaRPr lang="zh-CN" altLang="en-US" dirty="0"/>
+                      <a:endParaRPr lang="zh-CN" altLang="en-US" dirty="0">
+                        <a:solidFill>
+                          <a:schemeClr val="tx1"/>
+                        </a:solidFill>
+                      </a:endParaRPr>
                     </a:p>
                   </a:txBody>
                   <a:tcPr/>
@@ -9299,10 +9347,18 @@
           <a:p>
             <a:pPr algn="ctr"/>
             <a:r>
-              <a:rPr kumimoji="1" lang="en-US" altLang="zh-CN" dirty="0"/>
+              <a:rPr kumimoji="1" lang="en-US" altLang="zh-CN" dirty="0">
+                <a:solidFill>
+                  <a:schemeClr val="tx1"/>
+                </a:solidFill>
+              </a:rPr>
               <a:t>if</a:t>
             </a:r>
-            <a:endParaRPr kumimoji="1" lang="zh-CN" altLang="en-US" dirty="0"/>
+            <a:endParaRPr kumimoji="1" lang="zh-CN" altLang="en-US" dirty="0">
+              <a:solidFill>
+                <a:schemeClr val="tx1"/>
+              </a:solidFill>
+            </a:endParaRPr>
           </a:p>
         </p:txBody>
       </p:sp>
@@ -9349,10 +9405,18 @@
           <a:p>
             <a:pPr algn="ctr"/>
             <a:r>
-              <a:rPr kumimoji="1" lang="en-US" altLang="zh-CN" dirty="0"/>
+              <a:rPr kumimoji="1" lang="en-US" altLang="zh-CN" dirty="0">
+                <a:solidFill>
+                  <a:schemeClr val="tx1"/>
+                </a:solidFill>
+              </a:rPr>
               <a:t>x/y</a:t>
             </a:r>
-            <a:endParaRPr kumimoji="1" lang="zh-CN" altLang="en-US" dirty="0"/>
+            <a:endParaRPr kumimoji="1" lang="zh-CN" altLang="en-US" dirty="0">
+              <a:solidFill>
+                <a:schemeClr val="tx1"/>
+              </a:solidFill>
+            </a:endParaRPr>
           </a:p>
         </p:txBody>
       </p:sp>
@@ -9399,10 +9463,18 @@
           <a:p>
             <a:pPr algn="ctr"/>
             <a:r>
-              <a:rPr kumimoji="1" lang="en-US" altLang="zh-CN" dirty="0"/>
+              <a:rPr kumimoji="1" lang="en-US" altLang="zh-CN" dirty="0">
+                <a:solidFill>
+                  <a:schemeClr val="tx1"/>
+                </a:solidFill>
+              </a:rPr>
               <a:t>0</a:t>
             </a:r>
-            <a:endParaRPr kumimoji="1" lang="zh-CN" altLang="en-US" dirty="0"/>
+            <a:endParaRPr kumimoji="1" lang="zh-CN" altLang="en-US" dirty="0">
+              <a:solidFill>
+                <a:schemeClr val="tx1"/>
+              </a:solidFill>
+            </a:endParaRPr>
           </a:p>
         </p:txBody>
       </p:sp>
@@ -9429,7 +9501,7 @@
           <a:prstGeom prst="straightConnector1">
             <a:avLst/>
           </a:prstGeom>
-          <a:ln>
+          <a:ln w="38100">
             <a:tailEnd type="triangle"/>
           </a:ln>
         </p:spPr>
@@ -9472,7 +9544,7 @@
           <a:prstGeom prst="straightConnector1">
             <a:avLst/>
           </a:prstGeom>
-          <a:ln>
+          <a:ln w="38100">
             <a:tailEnd type="triangle"/>
           </a:ln>
         </p:spPr>
@@ -9582,7 +9654,7 @@
           <p:nvPr>
             <p:extLst>
               <p:ext uri="{D42A27DB-BD31-4B8C-83A1-F6EECF244321}">
-                <p14:modId xmlns:p14="http://schemas.microsoft.com/office/powerpoint/2010/main" val="1987196964"/>
+                <p14:modId xmlns:p14="http://schemas.microsoft.com/office/powerpoint/2010/main" val="546744683"/>
               </p:ext>
             </p:extLst>
           </p:nvPr>
@@ -9627,10 +9699,18 @@
                     <a:lstStyle/>
                     <a:p>
                       <a:r>
-                        <a:rPr lang="en-US" altLang="zh-CN" dirty="0"/>
+                        <a:rPr lang="en-US" altLang="zh-CN" dirty="0">
+                          <a:solidFill>
+                            <a:schemeClr val="tx1"/>
+                          </a:solidFill>
+                        </a:rPr>
                         <a:t>Variable</a:t>
                       </a:r>
-                      <a:endParaRPr lang="zh-CN" altLang="en-US" dirty="0"/>
+                      <a:endParaRPr lang="zh-CN" altLang="en-US" dirty="0">
+                        <a:solidFill>
+                          <a:schemeClr val="tx1"/>
+                        </a:solidFill>
+                      </a:endParaRPr>
                     </a:p>
                   </a:txBody>
                   <a:tcPr/>
@@ -9641,10 +9721,18 @@
                     <a:lstStyle/>
                     <a:p>
                       <a:r>
-                        <a:rPr lang="en-US" altLang="zh-CN" dirty="0"/>
+                        <a:rPr lang="en-US" altLang="zh-CN" dirty="0">
+                          <a:solidFill>
+                            <a:schemeClr val="tx1"/>
+                          </a:solidFill>
+                        </a:rPr>
                         <a:t>value</a:t>
                       </a:r>
-                      <a:endParaRPr lang="zh-CN" altLang="en-US" dirty="0"/>
+                      <a:endParaRPr lang="zh-CN" altLang="en-US" dirty="0">
+                        <a:solidFill>
+                          <a:schemeClr val="tx1"/>
+                        </a:solidFill>
+                      </a:endParaRPr>
                     </a:p>
                   </a:txBody>
                   <a:tcPr/>
@@ -9655,10 +9743,18 @@
                     <a:lstStyle/>
                     <a:p>
                       <a:r>
-                        <a:rPr lang="en-US" altLang="zh-CN" dirty="0" err="1"/>
+                        <a:rPr lang="en-US" altLang="zh-CN" dirty="0" err="1">
+                          <a:solidFill>
+                            <a:schemeClr val="tx1"/>
+                          </a:solidFill>
+                        </a:rPr>
                         <a:t>sym.value</a:t>
                       </a:r>
-                      <a:endParaRPr lang="zh-CN" altLang="en-US" dirty="0"/>
+                      <a:endParaRPr lang="zh-CN" altLang="en-US" dirty="0">
+                        <a:solidFill>
+                          <a:schemeClr val="tx1"/>
+                        </a:solidFill>
+                      </a:endParaRPr>
                     </a:p>
                   </a:txBody>
                   <a:tcPr/>
@@ -10843,10 +10939,18 @@
           <a:p>
             <a:pPr algn="ctr"/>
             <a:r>
-              <a:rPr kumimoji="1" lang="en-US" altLang="zh-CN" dirty="0"/>
+              <a:rPr kumimoji="1" lang="en-US" altLang="zh-CN" dirty="0">
+                <a:solidFill>
+                  <a:schemeClr val="tx1"/>
+                </a:solidFill>
+              </a:rPr>
               <a:t>if</a:t>
             </a:r>
-            <a:endParaRPr kumimoji="1" lang="zh-CN" altLang="en-US" dirty="0"/>
+            <a:endParaRPr kumimoji="1" lang="zh-CN" altLang="en-US" dirty="0">
+              <a:solidFill>
+                <a:schemeClr val="tx1"/>
+              </a:solidFill>
+            </a:endParaRPr>
           </a:p>
         </p:txBody>
       </p:sp>
@@ -10893,10 +10997,18 @@
           <a:p>
             <a:pPr algn="ctr"/>
             <a:r>
-              <a:rPr kumimoji="1" lang="en-US" altLang="zh-CN" dirty="0"/>
+              <a:rPr kumimoji="1" lang="en-US" altLang="zh-CN" dirty="0">
+                <a:solidFill>
+                  <a:schemeClr val="tx1"/>
+                </a:solidFill>
+              </a:rPr>
               <a:t>x/y</a:t>
             </a:r>
-            <a:endParaRPr kumimoji="1" lang="zh-CN" altLang="en-US" dirty="0"/>
+            <a:endParaRPr kumimoji="1" lang="zh-CN" altLang="en-US" dirty="0">
+              <a:solidFill>
+                <a:schemeClr val="tx1"/>
+              </a:solidFill>
+            </a:endParaRPr>
           </a:p>
         </p:txBody>
       </p:sp>
@@ -10943,10 +11055,18 @@
           <a:p>
             <a:pPr algn="ctr"/>
             <a:r>
-              <a:rPr kumimoji="1" lang="en-US" altLang="zh-CN" dirty="0"/>
+              <a:rPr kumimoji="1" lang="en-US" altLang="zh-CN" dirty="0">
+                <a:solidFill>
+                  <a:schemeClr val="tx1"/>
+                </a:solidFill>
+              </a:rPr>
               <a:t>0</a:t>
             </a:r>
-            <a:endParaRPr kumimoji="1" lang="zh-CN" altLang="en-US" dirty="0"/>
+            <a:endParaRPr kumimoji="1" lang="zh-CN" altLang="en-US" dirty="0">
+              <a:solidFill>
+                <a:schemeClr val="tx1"/>
+              </a:solidFill>
+            </a:endParaRPr>
           </a:p>
         </p:txBody>
       </p:sp>
@@ -10973,7 +11093,7 @@
           <a:prstGeom prst="straightConnector1">
             <a:avLst/>
           </a:prstGeom>
-          <a:ln>
+          <a:ln w="38100">
             <a:tailEnd type="triangle"/>
           </a:ln>
         </p:spPr>
@@ -11016,7 +11136,7 @@
           <a:prstGeom prst="straightConnector1">
             <a:avLst/>
           </a:prstGeom>
-          <a:ln>
+          <a:ln w="38100">
             <a:tailEnd type="triangle"/>
           </a:ln>
         </p:spPr>
@@ -11170,7 +11290,7 @@
           <p:nvPr>
             <p:extLst>
               <p:ext uri="{D42A27DB-BD31-4B8C-83A1-F6EECF244321}">
-                <p14:modId xmlns:p14="http://schemas.microsoft.com/office/powerpoint/2010/main" val="2850655887"/>
+                <p14:modId xmlns:p14="http://schemas.microsoft.com/office/powerpoint/2010/main" val="3542106953"/>
               </p:ext>
             </p:extLst>
           </p:nvPr>
@@ -11215,10 +11335,18 @@
                     <a:lstStyle/>
                     <a:p>
                       <a:r>
-                        <a:rPr lang="en-US" altLang="zh-CN" dirty="0"/>
+                        <a:rPr lang="en-US" altLang="zh-CN" dirty="0">
+                          <a:solidFill>
+                            <a:schemeClr val="tx1"/>
+                          </a:solidFill>
+                        </a:rPr>
                         <a:t>Variable</a:t>
                       </a:r>
-                      <a:endParaRPr lang="zh-CN" altLang="en-US" dirty="0"/>
+                      <a:endParaRPr lang="zh-CN" altLang="en-US" dirty="0">
+                        <a:solidFill>
+                          <a:schemeClr val="tx1"/>
+                        </a:solidFill>
+                      </a:endParaRPr>
                     </a:p>
                   </a:txBody>
                   <a:tcPr/>
@@ -11229,10 +11357,18 @@
                     <a:lstStyle/>
                     <a:p>
                       <a:r>
-                        <a:rPr lang="en-US" altLang="zh-CN" dirty="0"/>
+                        <a:rPr lang="en-US" altLang="zh-CN" dirty="0">
+                          <a:solidFill>
+                            <a:schemeClr val="tx1"/>
+                          </a:solidFill>
+                        </a:rPr>
                         <a:t>value</a:t>
                       </a:r>
-                      <a:endParaRPr lang="zh-CN" altLang="en-US" dirty="0"/>
+                      <a:endParaRPr lang="zh-CN" altLang="en-US" dirty="0">
+                        <a:solidFill>
+                          <a:schemeClr val="tx1"/>
+                        </a:solidFill>
+                      </a:endParaRPr>
                     </a:p>
                   </a:txBody>
                   <a:tcPr/>
@@ -11243,10 +11379,28 @@
                     <a:lstStyle/>
                     <a:p>
                       <a:r>
-                        <a:rPr lang="en-US" altLang="zh-CN" dirty="0" err="1"/>
-                        <a:t>sym.value</a:t>
+                        <a:rPr lang="en-US" altLang="zh-CN" dirty="0">
+                          <a:solidFill>
+                            <a:schemeClr val="tx1"/>
+                          </a:solidFill>
+                        </a:rPr>
+                        <a:t>sym.</a:t>
                       </a:r>
-                      <a:endParaRPr lang="zh-CN" altLang="en-US" dirty="0"/>
+                    </a:p>
+                    <a:p>
+                      <a:r>
+                        <a:rPr lang="en-US" altLang="zh-CN" dirty="0">
+                          <a:solidFill>
+                            <a:schemeClr val="tx1"/>
+                          </a:solidFill>
+                        </a:rPr>
+                        <a:t>value</a:t>
+                      </a:r>
+                      <a:endParaRPr lang="zh-CN" altLang="en-US" dirty="0">
+                        <a:solidFill>
+                          <a:schemeClr val="tx1"/>
+                        </a:solidFill>
+                      </a:endParaRPr>
                     </a:p>
                   </a:txBody>
                   <a:tcPr/>
@@ -12370,10 +12524,18 @@
           <a:p>
             <a:pPr algn="ctr"/>
             <a:r>
-              <a:rPr kumimoji="1" lang="en-US" altLang="zh-CN" dirty="0"/>
+              <a:rPr kumimoji="1" lang="en-US" altLang="zh-CN" dirty="0">
+                <a:solidFill>
+                  <a:schemeClr val="tx1"/>
+                </a:solidFill>
+              </a:rPr>
               <a:t>if</a:t>
             </a:r>
-            <a:endParaRPr kumimoji="1" lang="zh-CN" altLang="en-US" dirty="0"/>
+            <a:endParaRPr kumimoji="1" lang="zh-CN" altLang="en-US" dirty="0">
+              <a:solidFill>
+                <a:schemeClr val="tx1"/>
+              </a:solidFill>
+            </a:endParaRPr>
           </a:p>
         </p:txBody>
       </p:sp>
@@ -12420,10 +12582,18 @@
           <a:p>
             <a:pPr algn="ctr"/>
             <a:r>
-              <a:rPr kumimoji="1" lang="en-US" altLang="zh-CN" dirty="0"/>
+              <a:rPr kumimoji="1" lang="en-US" altLang="zh-CN" dirty="0">
+                <a:solidFill>
+                  <a:schemeClr val="tx1"/>
+                </a:solidFill>
+              </a:rPr>
               <a:t>x/y</a:t>
             </a:r>
-            <a:endParaRPr kumimoji="1" lang="zh-CN" altLang="en-US" dirty="0"/>
+            <a:endParaRPr kumimoji="1" lang="zh-CN" altLang="en-US" dirty="0">
+              <a:solidFill>
+                <a:schemeClr val="tx1"/>
+              </a:solidFill>
+            </a:endParaRPr>
           </a:p>
         </p:txBody>
       </p:sp>
@@ -12470,10 +12640,18 @@
           <a:p>
             <a:pPr algn="ctr"/>
             <a:r>
-              <a:rPr kumimoji="1" lang="en-US" altLang="zh-CN" dirty="0"/>
+              <a:rPr kumimoji="1" lang="en-US" altLang="zh-CN" dirty="0">
+                <a:solidFill>
+                  <a:schemeClr val="tx1"/>
+                </a:solidFill>
+              </a:rPr>
               <a:t>0</a:t>
             </a:r>
-            <a:endParaRPr kumimoji="1" lang="zh-CN" altLang="en-US" dirty="0"/>
+            <a:endParaRPr kumimoji="1" lang="zh-CN" altLang="en-US" dirty="0">
+              <a:solidFill>
+                <a:schemeClr val="tx1"/>
+              </a:solidFill>
+            </a:endParaRPr>
           </a:p>
         </p:txBody>
       </p:sp>
@@ -12500,7 +12678,7 @@
           <a:prstGeom prst="straightConnector1">
             <a:avLst/>
           </a:prstGeom>
-          <a:ln>
+          <a:ln w="38100">
             <a:tailEnd type="triangle"/>
           </a:ln>
         </p:spPr>
@@ -12543,7 +12721,7 @@
           <a:prstGeom prst="straightConnector1">
             <a:avLst/>
           </a:prstGeom>
-          <a:ln>
+          <a:ln w="38100">
             <a:tailEnd type="triangle"/>
           </a:ln>
         </p:spPr>
@@ -12903,7 +13081,7 @@
           <p:nvPr>
             <p:extLst>
               <p:ext uri="{D42A27DB-BD31-4B8C-83A1-F6EECF244321}">
-                <p14:modId xmlns:p14="http://schemas.microsoft.com/office/powerpoint/2010/main" val="3696740324"/>
+                <p14:modId xmlns:p14="http://schemas.microsoft.com/office/powerpoint/2010/main" val="928440357"/>
               </p:ext>
             </p:extLst>
           </p:nvPr>
@@ -12948,10 +13126,18 @@
                     <a:lstStyle/>
                     <a:p>
                       <a:r>
-                        <a:rPr lang="en-US" altLang="zh-CN" dirty="0"/>
+                        <a:rPr lang="en-US" altLang="zh-CN" dirty="0">
+                          <a:solidFill>
+                            <a:schemeClr val="tx1"/>
+                          </a:solidFill>
+                        </a:rPr>
                         <a:t>Variable</a:t>
                       </a:r>
-                      <a:endParaRPr lang="zh-CN" altLang="en-US" dirty="0"/>
+                      <a:endParaRPr lang="zh-CN" altLang="en-US" dirty="0">
+                        <a:solidFill>
+                          <a:schemeClr val="tx1"/>
+                        </a:solidFill>
+                      </a:endParaRPr>
                     </a:p>
                   </a:txBody>
                   <a:tcPr/>
@@ -12962,10 +13148,18 @@
                     <a:lstStyle/>
                     <a:p>
                       <a:r>
-                        <a:rPr lang="en-US" altLang="zh-CN" dirty="0"/>
+                        <a:rPr lang="en-US" altLang="zh-CN" dirty="0">
+                          <a:solidFill>
+                            <a:schemeClr val="tx1"/>
+                          </a:solidFill>
+                        </a:rPr>
                         <a:t>value</a:t>
                       </a:r>
-                      <a:endParaRPr lang="zh-CN" altLang="en-US" dirty="0"/>
+                      <a:endParaRPr lang="zh-CN" altLang="en-US" dirty="0">
+                        <a:solidFill>
+                          <a:schemeClr val="tx1"/>
+                        </a:solidFill>
+                      </a:endParaRPr>
                     </a:p>
                   </a:txBody>
                   <a:tcPr/>
@@ -12976,10 +13170,28 @@
                     <a:lstStyle/>
                     <a:p>
                       <a:r>
-                        <a:rPr lang="en-US" altLang="zh-CN" dirty="0" err="1"/>
-                        <a:t>sym.value</a:t>
+                        <a:rPr lang="en-US" altLang="zh-CN" dirty="0">
+                          <a:solidFill>
+                            <a:schemeClr val="tx1"/>
+                          </a:solidFill>
+                        </a:rPr>
+                        <a:t>sym.</a:t>
                       </a:r>
-                      <a:endParaRPr lang="zh-CN" altLang="en-US" dirty="0"/>
+                    </a:p>
+                    <a:p>
+                      <a:r>
+                        <a:rPr lang="en-US" altLang="zh-CN" dirty="0">
+                          <a:solidFill>
+                            <a:schemeClr val="tx1"/>
+                          </a:solidFill>
+                        </a:rPr>
+                        <a:t>value</a:t>
+                      </a:r>
+                      <a:endParaRPr lang="zh-CN" altLang="en-US" dirty="0">
+                        <a:solidFill>
+                          <a:schemeClr val="tx1"/>
+                        </a:solidFill>
+                      </a:endParaRPr>
                     </a:p>
                   </a:txBody>
                   <a:tcPr/>
@@ -14144,10 +14356,18 @@
           <a:p>
             <a:pPr algn="ctr"/>
             <a:r>
-              <a:rPr kumimoji="1" lang="en-US" altLang="zh-CN" dirty="0"/>
+              <a:rPr kumimoji="1" lang="en-US" altLang="zh-CN" dirty="0">
+                <a:solidFill>
+                  <a:schemeClr val="tx1"/>
+                </a:solidFill>
+              </a:rPr>
               <a:t>if</a:t>
             </a:r>
-            <a:endParaRPr kumimoji="1" lang="zh-CN" altLang="en-US" dirty="0"/>
+            <a:endParaRPr kumimoji="1" lang="zh-CN" altLang="en-US" dirty="0">
+              <a:solidFill>
+                <a:schemeClr val="tx1"/>
+              </a:solidFill>
+            </a:endParaRPr>
           </a:p>
         </p:txBody>
       </p:sp>
@@ -14194,10 +14414,18 @@
           <a:p>
             <a:pPr algn="ctr"/>
             <a:r>
-              <a:rPr kumimoji="1" lang="en-US" altLang="zh-CN" dirty="0"/>
+              <a:rPr kumimoji="1" lang="en-US" altLang="zh-CN" dirty="0">
+                <a:solidFill>
+                  <a:schemeClr val="tx1"/>
+                </a:solidFill>
+              </a:rPr>
               <a:t>x/y</a:t>
             </a:r>
-            <a:endParaRPr kumimoji="1" lang="zh-CN" altLang="en-US" dirty="0"/>
+            <a:endParaRPr kumimoji="1" lang="zh-CN" altLang="en-US" dirty="0">
+              <a:solidFill>
+                <a:schemeClr val="tx1"/>
+              </a:solidFill>
+            </a:endParaRPr>
           </a:p>
         </p:txBody>
       </p:sp>
@@ -14244,10 +14472,18 @@
           <a:p>
             <a:pPr algn="ctr"/>
             <a:r>
-              <a:rPr kumimoji="1" lang="en-US" altLang="zh-CN" dirty="0"/>
+              <a:rPr kumimoji="1" lang="en-US" altLang="zh-CN" dirty="0">
+                <a:solidFill>
+                  <a:schemeClr val="tx1"/>
+                </a:solidFill>
+              </a:rPr>
               <a:t>0</a:t>
             </a:r>
-            <a:endParaRPr kumimoji="1" lang="zh-CN" altLang="en-US" dirty="0"/>
+            <a:endParaRPr kumimoji="1" lang="zh-CN" altLang="en-US" dirty="0">
+              <a:solidFill>
+                <a:schemeClr val="tx1"/>
+              </a:solidFill>
+            </a:endParaRPr>
           </a:p>
         </p:txBody>
       </p:sp>
@@ -14274,7 +14510,7 @@
           <a:prstGeom prst="straightConnector1">
             <a:avLst/>
           </a:prstGeom>
-          <a:ln>
+          <a:ln w="38100">
             <a:tailEnd type="triangle"/>
           </a:ln>
         </p:spPr>
@@ -14317,7 +14553,7 @@
           <a:prstGeom prst="straightConnector1">
             <a:avLst/>
           </a:prstGeom>
-          <a:ln>
+          <a:ln w="38100">
             <a:tailEnd type="triangle"/>
           </a:ln>
         </p:spPr>
@@ -14677,7 +14913,7 @@
           <p:nvPr>
             <p:extLst>
               <p:ext uri="{D42A27DB-BD31-4B8C-83A1-F6EECF244321}">
-                <p14:modId xmlns:p14="http://schemas.microsoft.com/office/powerpoint/2010/main" val="123865194"/>
+                <p14:modId xmlns:p14="http://schemas.microsoft.com/office/powerpoint/2010/main" val="2172522251"/>
               </p:ext>
             </p:extLst>
           </p:nvPr>
@@ -14722,10 +14958,18 @@
                     <a:lstStyle/>
                     <a:p>
                       <a:r>
-                        <a:rPr lang="en-US" altLang="zh-CN" dirty="0"/>
+                        <a:rPr lang="en-US" altLang="zh-CN" dirty="0">
+                          <a:solidFill>
+                            <a:schemeClr val="tx1"/>
+                          </a:solidFill>
+                        </a:rPr>
                         <a:t>Variable</a:t>
                       </a:r>
-                      <a:endParaRPr lang="zh-CN" altLang="en-US" dirty="0"/>
+                      <a:endParaRPr lang="zh-CN" altLang="en-US" dirty="0">
+                        <a:solidFill>
+                          <a:schemeClr val="tx1"/>
+                        </a:solidFill>
+                      </a:endParaRPr>
                     </a:p>
                   </a:txBody>
                   <a:tcPr/>
@@ -14736,10 +14980,18 @@
                     <a:lstStyle/>
                     <a:p>
                       <a:r>
-                        <a:rPr lang="en-US" altLang="zh-CN" dirty="0"/>
+                        <a:rPr lang="en-US" altLang="zh-CN" dirty="0">
+                          <a:solidFill>
+                            <a:schemeClr val="tx1"/>
+                          </a:solidFill>
+                        </a:rPr>
                         <a:t>value</a:t>
                       </a:r>
-                      <a:endParaRPr lang="zh-CN" altLang="en-US" dirty="0"/>
+                      <a:endParaRPr lang="zh-CN" altLang="en-US" dirty="0">
+                        <a:solidFill>
+                          <a:schemeClr val="tx1"/>
+                        </a:solidFill>
+                      </a:endParaRPr>
                     </a:p>
                   </a:txBody>
                   <a:tcPr/>
@@ -14750,10 +15002,28 @@
                     <a:lstStyle/>
                     <a:p>
                       <a:r>
-                        <a:rPr lang="en-US" altLang="zh-CN" dirty="0" err="1"/>
-                        <a:t>sym.value</a:t>
+                        <a:rPr lang="en-US" altLang="zh-CN" dirty="0">
+                          <a:solidFill>
+                            <a:schemeClr val="tx1"/>
+                          </a:solidFill>
+                        </a:rPr>
+                        <a:t>sym.</a:t>
                       </a:r>
-                      <a:endParaRPr lang="zh-CN" altLang="en-US" dirty="0"/>
+                    </a:p>
+                    <a:p>
+                      <a:r>
+                        <a:rPr lang="en-US" altLang="zh-CN" dirty="0">
+                          <a:solidFill>
+                            <a:schemeClr val="tx1"/>
+                          </a:solidFill>
+                        </a:rPr>
+                        <a:t>value</a:t>
+                      </a:r>
+                      <a:endParaRPr lang="zh-CN" altLang="en-US" dirty="0">
+                        <a:solidFill>
+                          <a:schemeClr val="tx1"/>
+                        </a:solidFill>
+                      </a:endParaRPr>
                     </a:p>
                   </a:txBody>
                   <a:tcPr/>
@@ -16697,10 +16967,18 @@
           <a:p>
             <a:pPr algn="ctr"/>
             <a:r>
-              <a:rPr kumimoji="1" lang="en-US" altLang="zh-CN" dirty="0"/>
+              <a:rPr kumimoji="1" lang="en-US" altLang="zh-CN" dirty="0">
+                <a:solidFill>
+                  <a:schemeClr val="tx1"/>
+                </a:solidFill>
+              </a:rPr>
               <a:t>b1</a:t>
             </a:r>
-            <a:endParaRPr kumimoji="1" lang="zh-CN" altLang="en-US" dirty="0"/>
+            <a:endParaRPr kumimoji="1" lang="zh-CN" altLang="en-US" dirty="0">
+              <a:solidFill>
+                <a:schemeClr val="tx1"/>
+              </a:solidFill>
+            </a:endParaRPr>
           </a:p>
         </p:txBody>
       </p:sp>
@@ -16747,10 +17025,18 @@
           <a:p>
             <a:pPr algn="ctr"/>
             <a:r>
-              <a:rPr kumimoji="1" lang="en-US" altLang="zh-CN" dirty="0"/>
+              <a:rPr kumimoji="1" lang="en-US" altLang="zh-CN" dirty="0">
+                <a:solidFill>
+                  <a:schemeClr val="tx1"/>
+                </a:solidFill>
+              </a:rPr>
               <a:t>b2</a:t>
             </a:r>
-            <a:endParaRPr kumimoji="1" lang="zh-CN" altLang="en-US" dirty="0"/>
+            <a:endParaRPr kumimoji="1" lang="zh-CN" altLang="en-US" dirty="0">
+              <a:solidFill>
+                <a:schemeClr val="tx1"/>
+              </a:solidFill>
+            </a:endParaRPr>
           </a:p>
         </p:txBody>
       </p:sp>
@@ -16797,10 +17083,18 @@
           <a:p>
             <a:pPr algn="ctr"/>
             <a:r>
-              <a:rPr kumimoji="1" lang="en-US" altLang="zh-CN" dirty="0"/>
+              <a:rPr kumimoji="1" lang="en-US" altLang="zh-CN" dirty="0">
+                <a:solidFill>
+                  <a:schemeClr val="tx1"/>
+                </a:solidFill>
+              </a:rPr>
               <a:t>b…</a:t>
             </a:r>
-            <a:endParaRPr kumimoji="1" lang="zh-CN" altLang="en-US" dirty="0"/>
+            <a:endParaRPr kumimoji="1" lang="zh-CN" altLang="en-US" dirty="0">
+              <a:solidFill>
+                <a:schemeClr val="tx1"/>
+              </a:solidFill>
+            </a:endParaRPr>
           </a:p>
         </p:txBody>
       </p:sp>
@@ -16827,7 +17121,7 @@
           <a:prstGeom prst="straightConnector1">
             <a:avLst/>
           </a:prstGeom>
-          <a:ln>
+          <a:ln w="38100">
             <a:tailEnd type="triangle"/>
           </a:ln>
         </p:spPr>
@@ -16870,7 +17164,7 @@
           <a:prstGeom prst="straightConnector1">
             <a:avLst/>
           </a:prstGeom>
-          <a:ln>
+          <a:ln w="38100">
             <a:tailEnd type="triangle"/>
           </a:ln>
         </p:spPr>
@@ -16976,10 +17270,18 @@
           <a:p>
             <a:pPr algn="ctr"/>
             <a:r>
-              <a:rPr kumimoji="1" lang="en-US" altLang="zh-CN" dirty="0"/>
+              <a:rPr kumimoji="1" lang="en-US" altLang="zh-CN" dirty="0">
+                <a:solidFill>
+                  <a:schemeClr val="tx1"/>
+                </a:solidFill>
+              </a:rPr>
               <a:t>x/y</a:t>
             </a:r>
-            <a:endParaRPr kumimoji="1" lang="zh-CN" altLang="en-US" dirty="0"/>
+            <a:endParaRPr kumimoji="1" lang="zh-CN" altLang="en-US" dirty="0">
+              <a:solidFill>
+                <a:schemeClr val="tx1"/>
+              </a:solidFill>
+            </a:endParaRPr>
           </a:p>
         </p:txBody>
       </p:sp>
@@ -17006,7 +17308,7 @@
           <a:prstGeom prst="straightConnector1">
             <a:avLst/>
           </a:prstGeom>
-          <a:ln>
+          <a:ln w="38100">
             <a:tailEnd type="triangle"/>
           </a:ln>
         </p:spPr>
@@ -17093,7 +17395,7 @@
           <a:prstGeom prst="straightConnector1">
             <a:avLst/>
           </a:prstGeom>
-          <a:ln>
+          <a:ln w="38100">
             <a:tailEnd type="triangle"/>
           </a:ln>
         </p:spPr>
@@ -17155,10 +17457,18 @@
           <a:p>
             <a:pPr algn="ctr"/>
             <a:r>
-              <a:rPr kumimoji="1" lang="en-US" altLang="zh-CN" dirty="0"/>
+              <a:rPr kumimoji="1" lang="en-US" altLang="zh-CN" dirty="0">
+                <a:solidFill>
+                  <a:schemeClr val="tx1"/>
+                </a:solidFill>
+              </a:rPr>
               <a:t>b…</a:t>
             </a:r>
-            <a:endParaRPr kumimoji="1" lang="zh-CN" altLang="en-US" dirty="0"/>
+            <a:endParaRPr kumimoji="1" lang="zh-CN" altLang="en-US" dirty="0">
+              <a:solidFill>
+                <a:schemeClr val="tx1"/>
+              </a:solidFill>
+            </a:endParaRPr>
           </a:p>
         </p:txBody>
       </p:sp>
@@ -17184,7 +17494,7 @@
           <a:prstGeom prst="straightConnector1">
             <a:avLst/>
           </a:prstGeom>
-          <a:ln>
+          <a:ln w="38100">
             <a:tailEnd type="triangle"/>
           </a:ln>
         </p:spPr>
@@ -17246,10 +17556,18 @@
           <a:p>
             <a:pPr algn="ctr"/>
             <a:r>
-              <a:rPr kumimoji="1" lang="en-US" altLang="zh-CN" dirty="0"/>
+              <a:rPr kumimoji="1" lang="en-US" altLang="zh-CN" dirty="0">
+                <a:solidFill>
+                  <a:schemeClr val="tx1"/>
+                </a:solidFill>
+              </a:rPr>
               <a:t>b…</a:t>
             </a:r>
-            <a:endParaRPr kumimoji="1" lang="zh-CN" altLang="en-US" dirty="0"/>
+            <a:endParaRPr kumimoji="1" lang="zh-CN" altLang="en-US" dirty="0">
+              <a:solidFill>
+                <a:schemeClr val="tx1"/>
+              </a:solidFill>
+            </a:endParaRPr>
           </a:p>
         </p:txBody>
       </p:sp>
@@ -17276,7 +17594,7 @@
           <a:prstGeom prst="straightConnector1">
             <a:avLst/>
           </a:prstGeom>
-          <a:ln>
+          <a:ln w="38100">
             <a:tailEnd type="triangle"/>
           </a:ln>
         </p:spPr>
@@ -17363,7 +17681,7 @@
           <a:prstGeom prst="straightConnector1">
             <a:avLst/>
           </a:prstGeom>
-          <a:ln>
+          <a:ln w="38100">
             <a:tailEnd type="triangle"/>
           </a:ln>
         </p:spPr>
@@ -17425,10 +17743,18 @@
           <a:p>
             <a:pPr algn="ctr"/>
             <a:r>
-              <a:rPr kumimoji="1" lang="en-US" altLang="zh-CN" dirty="0"/>
+              <a:rPr kumimoji="1" lang="en-US" altLang="zh-CN" dirty="0">
+                <a:solidFill>
+                  <a:schemeClr val="tx1"/>
+                </a:solidFill>
+              </a:rPr>
               <a:t>b…</a:t>
             </a:r>
-            <a:endParaRPr kumimoji="1" lang="zh-CN" altLang="en-US" dirty="0"/>
+            <a:endParaRPr kumimoji="1" lang="zh-CN" altLang="en-US" dirty="0">
+              <a:solidFill>
+                <a:schemeClr val="tx1"/>
+              </a:solidFill>
+            </a:endParaRPr>
           </a:p>
         </p:txBody>
       </p:sp>
@@ -17454,7 +17780,7 @@
           <a:prstGeom prst="straightConnector1">
             <a:avLst/>
           </a:prstGeom>
-          <a:ln>
+          <a:ln w="38100">
             <a:tailEnd type="triangle"/>
           </a:ln>
         </p:spPr>
@@ -17618,7 +17944,7 @@
           <a:prstGeom prst="straightConnector1">
             <a:avLst/>
           </a:prstGeom>
-          <a:ln>
+          <a:ln w="38100">
             <a:tailEnd type="triangle"/>
           </a:ln>
         </p:spPr>
@@ -17705,7 +18031,7 @@
           <a:prstGeom prst="straightConnector1">
             <a:avLst/>
           </a:prstGeom>
-          <a:ln>
+          <a:ln w="38100">
             <a:tailEnd type="triangle"/>
           </a:ln>
         </p:spPr>
@@ -17770,8 +18096,8 @@
           </a:p>
         </p:txBody>
       </p:sp>
-      <mc:AlternateContent xmlns:mc="http://schemas.openxmlformats.org/markup-compatibility/2006" xmlns:a14="http://schemas.microsoft.com/office/drawing/2010/main">
-        <mc:Choice Requires="a14">
+      <mc:AlternateContent xmlns:mc="http://schemas.openxmlformats.org/markup-compatibility/2006">
+        <mc:Choice xmlns:a14="http://schemas.microsoft.com/office/drawing/2010/main" Requires="a14">
           <p:sp>
             <p:nvSpPr>
               <p:cNvPr id="73" name="文本框 72">
@@ -17786,7 +18112,7 @@
             </p:nvSpPr>
             <p:spPr>
               <a:xfrm>
-                <a:off x="3657600" y="5970287"/>
+                <a:off x="3657600" y="5879068"/>
                 <a:ext cx="2660720" cy="369332"/>
               </a:xfrm>
               <a:prstGeom prst="rect">
@@ -17910,7 +18236,7 @@
             </p:txBody>
           </p:sp>
         </mc:Choice>
-        <mc:Fallback xmlns="">
+        <mc:Fallback>
           <p:sp>
             <p:nvSpPr>
               <p:cNvPr id="73" name="文本框 72">
@@ -17927,7 +18253,7 @@
             </p:nvSpPr>
             <p:spPr>
               <a:xfrm>
-                <a:off x="3657600" y="5970287"/>
+                <a:off x="3657600" y="5879068"/>
                 <a:ext cx="2660720" cy="369332"/>
               </a:xfrm>
               <a:prstGeom prst="rect">
@@ -17936,7 +18262,7 @@
               <a:blipFill>
                 <a:blip r:embed="rId7"/>
                 <a:stretch>
-                  <a:fillRect l="-1905" t="-3333" b="-23333"/>
+                  <a:fillRect l="-1905" t="-6452" b="-22581"/>
                 </a:stretch>
               </a:blipFill>
             </p:spPr>
@@ -18900,7 +19226,7 @@
           <p:nvPr>
             <p:extLst>
               <p:ext uri="{D42A27DB-BD31-4B8C-83A1-F6EECF244321}">
-                <p14:modId xmlns:p14="http://schemas.microsoft.com/office/powerpoint/2010/main" val="876271914"/>
+                <p14:modId xmlns:p14="http://schemas.microsoft.com/office/powerpoint/2010/main" val="1175802445"/>
               </p:ext>
             </p:extLst>
           </p:nvPr>
@@ -18945,10 +19271,18 @@
                     <a:lstStyle/>
                     <a:p>
                       <a:r>
-                        <a:rPr lang="en-US" altLang="zh-CN" sz="1200" dirty="0"/>
+                        <a:rPr lang="en-US" altLang="zh-CN" sz="1200" dirty="0">
+                          <a:solidFill>
+                            <a:schemeClr val="tx1"/>
+                          </a:solidFill>
+                        </a:rPr>
                         <a:t>Variable</a:t>
                       </a:r>
-                      <a:endParaRPr lang="zh-CN" altLang="en-US" sz="1200" dirty="0"/>
+                      <a:endParaRPr lang="zh-CN" altLang="en-US" sz="1200" dirty="0">
+                        <a:solidFill>
+                          <a:schemeClr val="tx1"/>
+                        </a:solidFill>
+                      </a:endParaRPr>
                     </a:p>
                   </a:txBody>
                   <a:tcPr/>
@@ -18959,10 +19293,18 @@
                     <a:lstStyle/>
                     <a:p>
                       <a:r>
-                        <a:rPr lang="en-US" altLang="zh-CN" sz="1200" dirty="0"/>
+                        <a:rPr lang="en-US" altLang="zh-CN" sz="1200" dirty="0">
+                          <a:solidFill>
+                            <a:schemeClr val="tx1"/>
+                          </a:solidFill>
+                        </a:rPr>
                         <a:t>value</a:t>
                       </a:r>
-                      <a:endParaRPr lang="zh-CN" altLang="en-US" sz="1200" dirty="0"/>
+                      <a:endParaRPr lang="zh-CN" altLang="en-US" sz="1200" dirty="0">
+                        <a:solidFill>
+                          <a:schemeClr val="tx1"/>
+                        </a:solidFill>
+                      </a:endParaRPr>
                     </a:p>
                   </a:txBody>
                   <a:tcPr/>
@@ -18973,10 +19315,18 @@
                     <a:lstStyle/>
                     <a:p>
                       <a:r>
-                        <a:rPr lang="en-US" altLang="zh-CN" sz="1200" dirty="0" err="1"/>
+                        <a:rPr lang="en-US" altLang="zh-CN" sz="1200" dirty="0" err="1">
+                          <a:solidFill>
+                            <a:schemeClr val="tx1"/>
+                          </a:solidFill>
+                        </a:rPr>
                         <a:t>sym.value</a:t>
                       </a:r>
-                      <a:endParaRPr lang="zh-CN" altLang="en-US" sz="1200" dirty="0"/>
+                      <a:endParaRPr lang="zh-CN" altLang="en-US" sz="1200" dirty="0">
+                        <a:solidFill>
+                          <a:schemeClr val="tx1"/>
+                        </a:solidFill>
+                      </a:endParaRPr>
                     </a:p>
                   </a:txBody>
                   <a:tcPr/>
@@ -19177,7 +19527,7 @@
           <a:prstGeom prst="straightConnector1">
             <a:avLst/>
           </a:prstGeom>
-          <a:ln>
+          <a:ln w="38100">
             <a:tailEnd type="triangle"/>
           </a:ln>
         </p:spPr>
@@ -19622,7 +19972,7 @@
           <p:nvPr>
             <p:extLst>
               <p:ext uri="{D42A27DB-BD31-4B8C-83A1-F6EECF244321}">
-                <p14:modId xmlns:p14="http://schemas.microsoft.com/office/powerpoint/2010/main" val="3096793685"/>
+                <p14:modId xmlns:p14="http://schemas.microsoft.com/office/powerpoint/2010/main" val="3873332254"/>
               </p:ext>
             </p:extLst>
           </p:nvPr>
@@ -19667,10 +20017,18 @@
                     <a:lstStyle/>
                     <a:p>
                       <a:r>
-                        <a:rPr lang="en-US" altLang="zh-CN" sz="1200" dirty="0"/>
+                        <a:rPr lang="en-US" altLang="zh-CN" sz="1200" dirty="0">
+                          <a:solidFill>
+                            <a:schemeClr val="tx1"/>
+                          </a:solidFill>
+                        </a:rPr>
                         <a:t>Variable</a:t>
                       </a:r>
-                      <a:endParaRPr lang="zh-CN" altLang="en-US" sz="1200" dirty="0"/>
+                      <a:endParaRPr lang="zh-CN" altLang="en-US" sz="1200" dirty="0">
+                        <a:solidFill>
+                          <a:schemeClr val="tx1"/>
+                        </a:solidFill>
+                      </a:endParaRPr>
                     </a:p>
                   </a:txBody>
                   <a:tcPr/>
@@ -19681,10 +20039,18 @@
                     <a:lstStyle/>
                     <a:p>
                       <a:r>
-                        <a:rPr lang="en-US" altLang="zh-CN" sz="1200" dirty="0"/>
+                        <a:rPr lang="en-US" altLang="zh-CN" sz="1200" dirty="0">
+                          <a:solidFill>
+                            <a:schemeClr val="tx1"/>
+                          </a:solidFill>
+                        </a:rPr>
                         <a:t>value</a:t>
                       </a:r>
-                      <a:endParaRPr lang="zh-CN" altLang="en-US" sz="1200" dirty="0"/>
+                      <a:endParaRPr lang="zh-CN" altLang="en-US" sz="1200" dirty="0">
+                        <a:solidFill>
+                          <a:schemeClr val="tx1"/>
+                        </a:solidFill>
+                      </a:endParaRPr>
                     </a:p>
                   </a:txBody>
                   <a:tcPr/>
@@ -19695,10 +20061,18 @@
                     <a:lstStyle/>
                     <a:p>
                       <a:r>
-                        <a:rPr lang="en-US" altLang="zh-CN" sz="1200" dirty="0" err="1"/>
+                        <a:rPr lang="en-US" altLang="zh-CN" sz="1200" dirty="0" err="1">
+                          <a:solidFill>
+                            <a:schemeClr val="tx1"/>
+                          </a:solidFill>
+                        </a:rPr>
                         <a:t>sym.value</a:t>
                       </a:r>
-                      <a:endParaRPr lang="zh-CN" altLang="en-US" sz="1200" dirty="0"/>
+                      <a:endParaRPr lang="zh-CN" altLang="en-US" sz="1200" dirty="0">
+                        <a:solidFill>
+                          <a:schemeClr val="tx1"/>
+                        </a:solidFill>
+                      </a:endParaRPr>
                     </a:p>
                   </a:txBody>
                   <a:tcPr/>
@@ -20720,7 +21094,7 @@
           <p:nvPr>
             <p:extLst>
               <p:ext uri="{D42A27DB-BD31-4B8C-83A1-F6EECF244321}">
-                <p14:modId xmlns:p14="http://schemas.microsoft.com/office/powerpoint/2010/main" val="2512793399"/>
+                <p14:modId xmlns:p14="http://schemas.microsoft.com/office/powerpoint/2010/main" val="1190772367"/>
               </p:ext>
             </p:extLst>
           </p:nvPr>
@@ -20765,10 +21139,18 @@
                     <a:lstStyle/>
                     <a:p>
                       <a:r>
-                        <a:rPr lang="en-US" altLang="zh-CN" sz="1200" dirty="0"/>
+                        <a:rPr lang="en-US" altLang="zh-CN" sz="1200" dirty="0">
+                          <a:solidFill>
+                            <a:schemeClr val="tx1"/>
+                          </a:solidFill>
+                        </a:rPr>
                         <a:t>Variable</a:t>
                       </a:r>
-                      <a:endParaRPr lang="zh-CN" altLang="en-US" sz="1200" dirty="0"/>
+                      <a:endParaRPr lang="zh-CN" altLang="en-US" sz="1200" dirty="0">
+                        <a:solidFill>
+                          <a:schemeClr val="tx1"/>
+                        </a:solidFill>
+                      </a:endParaRPr>
                     </a:p>
                   </a:txBody>
                   <a:tcPr/>
@@ -20779,10 +21161,18 @@
                     <a:lstStyle/>
                     <a:p>
                       <a:r>
-                        <a:rPr lang="en-US" altLang="zh-CN" sz="1200" dirty="0"/>
+                        <a:rPr lang="en-US" altLang="zh-CN" sz="1200" dirty="0">
+                          <a:solidFill>
+                            <a:schemeClr val="tx1"/>
+                          </a:solidFill>
+                        </a:rPr>
                         <a:t>value</a:t>
                       </a:r>
-                      <a:endParaRPr lang="zh-CN" altLang="en-US" sz="1200" dirty="0"/>
+                      <a:endParaRPr lang="zh-CN" altLang="en-US" sz="1200" dirty="0">
+                        <a:solidFill>
+                          <a:schemeClr val="tx1"/>
+                        </a:solidFill>
+                      </a:endParaRPr>
                     </a:p>
                   </a:txBody>
                   <a:tcPr/>
@@ -20793,10 +21183,18 @@
                     <a:lstStyle/>
                     <a:p>
                       <a:r>
-                        <a:rPr lang="en-US" altLang="zh-CN" sz="1200" dirty="0" err="1"/>
+                        <a:rPr lang="en-US" altLang="zh-CN" sz="1200" dirty="0" err="1">
+                          <a:solidFill>
+                            <a:schemeClr val="tx1"/>
+                          </a:solidFill>
+                        </a:rPr>
                         <a:t>sym.value</a:t>
                       </a:r>
-                      <a:endParaRPr lang="zh-CN" altLang="en-US" sz="1200" dirty="0"/>
+                      <a:endParaRPr lang="zh-CN" altLang="en-US" sz="1200" dirty="0">
+                        <a:solidFill>
+                          <a:schemeClr val="tx1"/>
+                        </a:solidFill>
+                      </a:endParaRPr>
                     </a:p>
                   </a:txBody>
                   <a:tcPr/>
@@ -20997,7 +21395,7 @@
           <a:prstGeom prst="straightConnector1">
             <a:avLst/>
           </a:prstGeom>
-          <a:ln>
+          <a:ln w="38100">
             <a:tailEnd type="triangle"/>
           </a:ln>
         </p:spPr>
@@ -21039,7 +21437,7 @@
           <a:prstGeom prst="straightConnector1">
             <a:avLst/>
           </a:prstGeom>
-          <a:ln>
+          <a:ln w="38100">
             <a:tailEnd type="triangle"/>
           </a:ln>
         </p:spPr>
@@ -21517,7 +21915,13 @@
           <p:cNvGraphicFramePr>
             <a:graphicFrameLocks noGrp="1"/>
           </p:cNvGraphicFramePr>
-          <p:nvPr/>
+          <p:nvPr>
+            <p:extLst>
+              <p:ext uri="{D42A27DB-BD31-4B8C-83A1-F6EECF244321}">
+                <p14:modId xmlns:p14="http://schemas.microsoft.com/office/powerpoint/2010/main" val="741389327"/>
+              </p:ext>
+            </p:extLst>
+          </p:nvPr>
         </p:nvGraphicFramePr>
         <p:xfrm>
           <a:off x="7103142" y="2215670"/>
@@ -21559,10 +21963,18 @@
                     <a:lstStyle/>
                     <a:p>
                       <a:r>
-                        <a:rPr lang="en-US" altLang="zh-CN" sz="1200" dirty="0"/>
+                        <a:rPr lang="en-US" altLang="zh-CN" sz="1200" dirty="0">
+                          <a:solidFill>
+                            <a:schemeClr val="tx1"/>
+                          </a:solidFill>
+                        </a:rPr>
                         <a:t>Variable</a:t>
                       </a:r>
-                      <a:endParaRPr lang="zh-CN" altLang="en-US" sz="1200" dirty="0"/>
+                      <a:endParaRPr lang="zh-CN" altLang="en-US" sz="1200" dirty="0">
+                        <a:solidFill>
+                          <a:schemeClr val="tx1"/>
+                        </a:solidFill>
+                      </a:endParaRPr>
                     </a:p>
                   </a:txBody>
                   <a:tcPr/>
@@ -21573,10 +21985,18 @@
                     <a:lstStyle/>
                     <a:p>
                       <a:r>
-                        <a:rPr lang="en-US" altLang="zh-CN" sz="1200" dirty="0"/>
+                        <a:rPr lang="en-US" altLang="zh-CN" sz="1200" dirty="0">
+                          <a:solidFill>
+                            <a:schemeClr val="tx1"/>
+                          </a:solidFill>
+                        </a:rPr>
                         <a:t>value</a:t>
                       </a:r>
-                      <a:endParaRPr lang="zh-CN" altLang="en-US" sz="1200" dirty="0"/>
+                      <a:endParaRPr lang="zh-CN" altLang="en-US" sz="1200" dirty="0">
+                        <a:solidFill>
+                          <a:schemeClr val="tx1"/>
+                        </a:solidFill>
+                      </a:endParaRPr>
                     </a:p>
                   </a:txBody>
                   <a:tcPr/>
@@ -21587,10 +22007,18 @@
                     <a:lstStyle/>
                     <a:p>
                       <a:r>
-                        <a:rPr lang="en-US" altLang="zh-CN" sz="1200" dirty="0" err="1"/>
+                        <a:rPr lang="en-US" altLang="zh-CN" sz="1200" dirty="0" err="1">
+                          <a:solidFill>
+                            <a:schemeClr val="tx1"/>
+                          </a:solidFill>
+                        </a:rPr>
                         <a:t>sym.value</a:t>
                       </a:r>
-                      <a:endParaRPr lang="zh-CN" altLang="en-US" sz="1200" dirty="0"/>
+                      <a:endParaRPr lang="zh-CN" altLang="en-US" sz="1200" dirty="0">
+                        <a:solidFill>
+                          <a:schemeClr val="tx1"/>
+                        </a:solidFill>
+                      </a:endParaRPr>
                     </a:p>
                   </a:txBody>
                   <a:tcPr/>
@@ -21783,7 +22211,7 @@
           <p:nvPr>
             <p:extLst>
               <p:ext uri="{D42A27DB-BD31-4B8C-83A1-F6EECF244321}">
-                <p14:modId xmlns:p14="http://schemas.microsoft.com/office/powerpoint/2010/main" val="1529217696"/>
+                <p14:modId xmlns:p14="http://schemas.microsoft.com/office/powerpoint/2010/main" val="2124241132"/>
               </p:ext>
             </p:extLst>
           </p:nvPr>
@@ -21828,10 +22256,18 @@
                     <a:lstStyle/>
                     <a:p>
                       <a:r>
-                        <a:rPr lang="en-US" altLang="zh-CN" sz="1200" dirty="0"/>
+                        <a:rPr lang="en-US" altLang="zh-CN" sz="1200" dirty="0">
+                          <a:solidFill>
+                            <a:schemeClr val="tx1"/>
+                          </a:solidFill>
+                        </a:rPr>
                         <a:t>Variable</a:t>
                       </a:r>
-                      <a:endParaRPr lang="zh-CN" altLang="en-US" sz="1200" dirty="0"/>
+                      <a:endParaRPr lang="zh-CN" altLang="en-US" sz="1200" dirty="0">
+                        <a:solidFill>
+                          <a:schemeClr val="tx1"/>
+                        </a:solidFill>
+                      </a:endParaRPr>
                     </a:p>
                   </a:txBody>
                   <a:tcPr/>
@@ -21842,10 +22278,18 @@
                     <a:lstStyle/>
                     <a:p>
                       <a:r>
-                        <a:rPr lang="en-US" altLang="zh-CN" sz="1200" dirty="0"/>
+                        <a:rPr lang="en-US" altLang="zh-CN" sz="1200" dirty="0">
+                          <a:solidFill>
+                            <a:schemeClr val="tx1"/>
+                          </a:solidFill>
+                        </a:rPr>
                         <a:t>value</a:t>
                       </a:r>
-                      <a:endParaRPr lang="zh-CN" altLang="en-US" sz="1200" dirty="0"/>
+                      <a:endParaRPr lang="zh-CN" altLang="en-US" sz="1200" dirty="0">
+                        <a:solidFill>
+                          <a:schemeClr val="tx1"/>
+                        </a:solidFill>
+                      </a:endParaRPr>
                     </a:p>
                   </a:txBody>
                   <a:tcPr/>
@@ -21856,10 +22300,18 @@
                     <a:lstStyle/>
                     <a:p>
                       <a:r>
-                        <a:rPr lang="en-US" altLang="zh-CN" sz="1200" dirty="0" err="1"/>
+                        <a:rPr lang="en-US" altLang="zh-CN" sz="1200" dirty="0" err="1">
+                          <a:solidFill>
+                            <a:schemeClr val="tx1"/>
+                          </a:solidFill>
+                        </a:rPr>
                         <a:t>sym.value</a:t>
                       </a:r>
-                      <a:endParaRPr lang="zh-CN" altLang="en-US" sz="1200" dirty="0"/>
+                      <a:endParaRPr lang="zh-CN" altLang="en-US" sz="1200" dirty="0">
+                        <a:solidFill>
+                          <a:schemeClr val="tx1"/>
+                        </a:solidFill>
+                      </a:endParaRPr>
                     </a:p>
                   </a:txBody>
                   <a:tcPr/>
@@ -23156,10 +23608,18 @@
           <a:p>
             <a:pPr algn="ctr"/>
             <a:r>
-              <a:rPr kumimoji="1" lang="en-US" altLang="zh-CN" dirty="0"/>
+              <a:rPr kumimoji="1" lang="en-US" altLang="zh-CN" dirty="0">
+                <a:solidFill>
+                  <a:schemeClr val="tx1"/>
+                </a:solidFill>
+              </a:rPr>
               <a:t>e1</a:t>
             </a:r>
-            <a:endParaRPr kumimoji="1" lang="zh-CN" altLang="en-US" dirty="0"/>
+            <a:endParaRPr kumimoji="1" lang="zh-CN" altLang="en-US" dirty="0">
+              <a:solidFill>
+                <a:schemeClr val="tx1"/>
+              </a:solidFill>
+            </a:endParaRPr>
           </a:p>
         </p:txBody>
       </p:sp>
@@ -23206,10 +23666,18 @@
           <a:p>
             <a:pPr algn="ctr"/>
             <a:r>
-              <a:rPr kumimoji="1" lang="en-US" altLang="zh-CN" dirty="0"/>
+              <a:rPr kumimoji="1" lang="en-US" altLang="zh-CN" dirty="0">
+                <a:solidFill>
+                  <a:schemeClr val="tx1"/>
+                </a:solidFill>
+              </a:rPr>
               <a:t>e11</a:t>
             </a:r>
-            <a:endParaRPr kumimoji="1" lang="zh-CN" altLang="en-US" dirty="0"/>
+            <a:endParaRPr kumimoji="1" lang="zh-CN" altLang="en-US" dirty="0">
+              <a:solidFill>
+                <a:schemeClr val="tx1"/>
+              </a:solidFill>
+            </a:endParaRPr>
           </a:p>
         </p:txBody>
       </p:sp>
@@ -23256,10 +23724,18 @@
           <a:p>
             <a:pPr algn="ctr"/>
             <a:r>
-              <a:rPr kumimoji="1" lang="en-US" altLang="zh-CN" dirty="0"/>
+              <a:rPr kumimoji="1" lang="en-US" altLang="zh-CN" dirty="0">
+                <a:solidFill>
+                  <a:schemeClr val="tx1"/>
+                </a:solidFill>
+              </a:rPr>
               <a:t>e21</a:t>
             </a:r>
-            <a:endParaRPr kumimoji="1" lang="zh-CN" altLang="en-US" dirty="0"/>
+            <a:endParaRPr kumimoji="1" lang="zh-CN" altLang="en-US" dirty="0">
+              <a:solidFill>
+                <a:schemeClr val="tx1"/>
+              </a:solidFill>
+            </a:endParaRPr>
           </a:p>
         </p:txBody>
       </p:sp>
@@ -23286,7 +23762,7 @@
           <a:prstGeom prst="straightConnector1">
             <a:avLst/>
           </a:prstGeom>
-          <a:ln>
+          <a:ln w="38100">
             <a:tailEnd type="triangle"/>
           </a:ln>
         </p:spPr>
@@ -23329,7 +23805,7 @@
           <a:prstGeom prst="straightConnector1">
             <a:avLst/>
           </a:prstGeom>
-          <a:ln>
+          <a:ln w="38100">
             <a:tailEnd type="triangle"/>
           </a:ln>
         </p:spPr>
@@ -23435,10 +23911,18 @@
           <a:p>
             <a:pPr algn="ctr"/>
             <a:r>
-              <a:rPr kumimoji="1" lang="en-US" altLang="zh-CN" dirty="0"/>
+              <a:rPr kumimoji="1" lang="en-US" altLang="zh-CN" dirty="0">
+                <a:solidFill>
+                  <a:schemeClr val="tx1"/>
+                </a:solidFill>
+              </a:rPr>
               <a:t>e…</a:t>
             </a:r>
-            <a:endParaRPr kumimoji="1" lang="zh-CN" altLang="en-US" dirty="0"/>
+            <a:endParaRPr kumimoji="1" lang="zh-CN" altLang="en-US" dirty="0">
+              <a:solidFill>
+                <a:schemeClr val="tx1"/>
+              </a:solidFill>
+            </a:endParaRPr>
           </a:p>
         </p:txBody>
       </p:sp>
@@ -23465,7 +23949,7 @@
           <a:prstGeom prst="straightConnector1">
             <a:avLst/>
           </a:prstGeom>
-          <a:ln>
+          <a:ln w="38100">
             <a:tailEnd type="triangle"/>
           </a:ln>
         </p:spPr>
@@ -23552,7 +24036,7 @@
           <a:prstGeom prst="straightConnector1">
             <a:avLst/>
           </a:prstGeom>
-          <a:ln>
+          <a:ln w="38100">
             <a:tailEnd type="triangle"/>
           </a:ln>
         </p:spPr>
@@ -23614,10 +24098,18 @@
           <a:p>
             <a:pPr algn="ctr"/>
             <a:r>
-              <a:rPr kumimoji="1" lang="en-US" altLang="zh-CN" dirty="0"/>
+              <a:rPr kumimoji="1" lang="en-US" altLang="zh-CN" dirty="0">
+                <a:solidFill>
+                  <a:schemeClr val="tx1"/>
+                </a:solidFill>
+              </a:rPr>
               <a:t>e…</a:t>
             </a:r>
-            <a:endParaRPr kumimoji="1" lang="zh-CN" altLang="en-US" dirty="0"/>
+            <a:endParaRPr kumimoji="1" lang="zh-CN" altLang="en-US" dirty="0">
+              <a:solidFill>
+                <a:schemeClr val="tx1"/>
+              </a:solidFill>
+            </a:endParaRPr>
           </a:p>
         </p:txBody>
       </p:sp>
@@ -23643,7 +24135,7 @@
           <a:prstGeom prst="straightConnector1">
             <a:avLst/>
           </a:prstGeom>
-          <a:ln>
+          <a:ln w="38100">
             <a:tailEnd type="triangle"/>
           </a:ln>
         </p:spPr>
@@ -23705,10 +24197,18 @@
           <a:p>
             <a:pPr algn="ctr"/>
             <a:r>
-              <a:rPr kumimoji="1" lang="en-US" altLang="zh-CN" dirty="0"/>
+              <a:rPr kumimoji="1" lang="en-US" altLang="zh-CN" dirty="0">
+                <a:solidFill>
+                  <a:schemeClr val="tx1"/>
+                </a:solidFill>
+              </a:rPr>
               <a:t>e…</a:t>
             </a:r>
-            <a:endParaRPr kumimoji="1" lang="zh-CN" altLang="en-US" dirty="0"/>
+            <a:endParaRPr kumimoji="1" lang="zh-CN" altLang="en-US" dirty="0">
+              <a:solidFill>
+                <a:schemeClr val="tx1"/>
+              </a:solidFill>
+            </a:endParaRPr>
           </a:p>
         </p:txBody>
       </p:sp>
@@ -23735,7 +24235,7 @@
           <a:prstGeom prst="straightConnector1">
             <a:avLst/>
           </a:prstGeom>
-          <a:ln>
+          <a:ln w="38100">
             <a:tailEnd type="triangle"/>
           </a:ln>
         </p:spPr>
@@ -23822,7 +24322,7 @@
           <a:prstGeom prst="straightConnector1">
             <a:avLst/>
           </a:prstGeom>
-          <a:ln>
+          <a:ln w="38100">
             <a:tailEnd type="triangle"/>
           </a:ln>
         </p:spPr>
@@ -23884,10 +24384,18 @@
           <a:p>
             <a:pPr algn="ctr"/>
             <a:r>
-              <a:rPr kumimoji="1" lang="en-US" altLang="zh-CN" dirty="0"/>
+              <a:rPr kumimoji="1" lang="en-US" altLang="zh-CN" dirty="0">
+                <a:solidFill>
+                  <a:schemeClr val="tx1"/>
+                </a:solidFill>
+              </a:rPr>
               <a:t>e…</a:t>
             </a:r>
-            <a:endParaRPr kumimoji="1" lang="zh-CN" altLang="en-US" dirty="0"/>
+            <a:endParaRPr kumimoji="1" lang="zh-CN" altLang="en-US" dirty="0">
+              <a:solidFill>
+                <a:schemeClr val="tx1"/>
+              </a:solidFill>
+            </a:endParaRPr>
           </a:p>
         </p:txBody>
       </p:sp>
@@ -23913,7 +24421,7 @@
           <a:prstGeom prst="straightConnector1">
             <a:avLst/>
           </a:prstGeom>
-          <a:ln>
+          <a:ln w="38100">
             <a:tailEnd type="triangle"/>
           </a:ln>
         </p:spPr>
@@ -24320,7 +24828,7 @@
           <a:prstGeom prst="straightConnector1">
             <a:avLst/>
           </a:prstGeom>
-          <a:ln>
+          <a:ln w="38100">
             <a:tailEnd type="triangle"/>
           </a:ln>
         </p:spPr>
@@ -24407,7 +24915,7 @@
           <a:prstGeom prst="straightConnector1">
             <a:avLst/>
           </a:prstGeom>
-          <a:ln>
+          <a:ln w="38100">
             <a:tailEnd type="triangle"/>
           </a:ln>
         </p:spPr>
@@ -25840,60 +26348,134 @@
           </a:p>
         </p:txBody>
       </p:sp>
-      <p:sp>
-        <p:nvSpPr>
-          <p:cNvPr id="4" name="椭圆 3">
-            <a:extLst>
-              <a:ext uri="{FF2B5EF4-FFF2-40B4-BE49-F238E27FC236}">
-                <a16:creationId xmlns:a16="http://schemas.microsoft.com/office/drawing/2014/main" id="{97711026-C053-4649-A693-302DE3A71D19}"/>
-              </a:ext>
-            </a:extLst>
-          </p:cNvPr>
-          <p:cNvSpPr/>
-          <p:nvPr/>
-        </p:nvSpPr>
-        <p:spPr>
-          <a:xfrm>
-            <a:off x="5592261" y="2438400"/>
-            <a:ext cx="1168537" cy="471678"/>
-          </a:xfrm>
-          <a:prstGeom prst="ellipse">
-            <a:avLst/>
-          </a:prstGeom>
-        </p:spPr>
-        <p:style>
-          <a:lnRef idx="2">
-            <a:schemeClr val="accent1">
-              <a:shade val="50000"/>
-            </a:schemeClr>
-          </a:lnRef>
-          <a:fillRef idx="1">
-            <a:schemeClr val="accent1"/>
-          </a:fillRef>
-          <a:effectRef idx="0">
-            <a:schemeClr val="accent1"/>
-          </a:effectRef>
-          <a:fontRef idx="minor">
-            <a:schemeClr val="lt1"/>
-          </a:fontRef>
-        </p:style>
-        <p:txBody>
-          <a:bodyPr rtlCol="0" anchor="ctr"/>
-          <a:lstStyle/>
-          <a:p>
-            <a:pPr algn="ctr"/>
-            <a:r>
-              <a:rPr kumimoji="1" lang="en-US" altLang="zh-CN" dirty="0" err="1"/>
-              <a:t>i</a:t>
-            </a:r>
-            <a:r>
-              <a:rPr kumimoji="1" lang="en-US" altLang="zh-CN" dirty="0"/>
-              <a:t>&lt;=n</a:t>
-            </a:r>
-            <a:endParaRPr kumimoji="1" lang="zh-CN" altLang="en-US" dirty="0"/>
-          </a:p>
-        </p:txBody>
-      </p:sp>
+      <mc:AlternateContent xmlns:mc="http://schemas.openxmlformats.org/markup-compatibility/2006">
+        <mc:Choice xmlns:a14="http://schemas.microsoft.com/office/drawing/2010/main" Requires="a14">
+          <p:sp>
+            <p:nvSpPr>
+              <p:cNvPr id="4" name="椭圆 3">
+                <a:extLst>
+                  <a:ext uri="{FF2B5EF4-FFF2-40B4-BE49-F238E27FC236}">
+                    <a16:creationId xmlns:a16="http://schemas.microsoft.com/office/drawing/2014/main" id="{97711026-C053-4649-A693-302DE3A71D19}"/>
+                  </a:ext>
+                </a:extLst>
+              </p:cNvPr>
+              <p:cNvSpPr/>
+              <p:nvPr/>
+            </p:nvSpPr>
+            <p:spPr>
+              <a:xfrm>
+                <a:off x="5592261" y="2438400"/>
+                <a:ext cx="1168537" cy="471678"/>
+              </a:xfrm>
+              <a:prstGeom prst="ellipse">
+                <a:avLst/>
+              </a:prstGeom>
+            </p:spPr>
+            <p:style>
+              <a:lnRef idx="2">
+                <a:schemeClr val="accent1">
+                  <a:shade val="50000"/>
+                </a:schemeClr>
+              </a:lnRef>
+              <a:fillRef idx="1">
+                <a:schemeClr val="accent1"/>
+              </a:fillRef>
+              <a:effectRef idx="0">
+                <a:schemeClr val="accent1"/>
+              </a:effectRef>
+              <a:fontRef idx="minor">
+                <a:schemeClr val="lt1"/>
+              </a:fontRef>
+            </p:style>
+            <p:txBody>
+              <a:bodyPr rtlCol="0" anchor="ctr"/>
+              <a:lstStyle/>
+              <a:p>
+                <a:pPr algn="ctr"/>
+                <a:r>
+                  <a:rPr kumimoji="1" lang="en-US" altLang="zh-CN" dirty="0">
+                    <a:solidFill>
+                      <a:schemeClr val="tx1"/>
+                    </a:solidFill>
+                  </a:rPr>
+                  <a:t>i</a:t>
+                </a:r>
+                <a14:m>
+                  <m:oMath xmlns:m="http://schemas.openxmlformats.org/officeDocument/2006/math">
+                    <m:r>
+                      <a:rPr kumimoji="1" lang="en-US" altLang="zh-CN" i="1" smtClean="0">
+                        <a:solidFill>
+                          <a:schemeClr val="tx1"/>
+                        </a:solidFill>
+                        <a:latin typeface="Cambria Math" panose="02040503050406030204" pitchFamily="18" charset="0"/>
+                        <a:ea typeface="Cambria Math" panose="02040503050406030204" pitchFamily="18" charset="0"/>
+                      </a:rPr>
+                      <m:t>≤</m:t>
+                    </m:r>
+                  </m:oMath>
+                </a14:m>
+                <a:r>
+                  <a:rPr kumimoji="1" lang="en-US" altLang="zh-CN" dirty="0">
+                    <a:solidFill>
+                      <a:schemeClr val="tx1"/>
+                    </a:solidFill>
+                  </a:rPr>
+                  <a:t>n</a:t>
+                </a:r>
+                <a:endParaRPr kumimoji="1" lang="zh-CN" altLang="en-US" dirty="0">
+                  <a:solidFill>
+                    <a:schemeClr val="tx1"/>
+                  </a:solidFill>
+                </a:endParaRPr>
+              </a:p>
+            </p:txBody>
+          </p:sp>
+        </mc:Choice>
+        <mc:Fallback>
+          <p:sp>
+            <p:nvSpPr>
+              <p:cNvPr id="4" name="椭圆 3">
+                <a:extLst>
+                  <a:ext uri="{FF2B5EF4-FFF2-40B4-BE49-F238E27FC236}">
+                    <a16:creationId xmlns:a16="http://schemas.microsoft.com/office/drawing/2014/main" id="{97711026-C053-4649-A693-302DE3A71D19}"/>
+                  </a:ext>
+                </a:extLst>
+              </p:cNvPr>
+              <p:cNvSpPr>
+                <a:spLocks noRot="1" noChangeAspect="1" noMove="1" noResize="1" noEditPoints="1" noAdjustHandles="1" noChangeArrowheads="1" noChangeShapeType="1" noTextEdit="1"/>
+              </p:cNvSpPr>
+              <p:nvPr/>
+            </p:nvSpPr>
+            <p:spPr>
+              <a:xfrm>
+                <a:off x="5592261" y="2438400"/>
+                <a:ext cx="1168537" cy="471678"/>
+              </a:xfrm>
+              <a:prstGeom prst="ellipse">
+                <a:avLst/>
+              </a:prstGeom>
+              <a:blipFill>
+                <a:blip r:embed="rId2"/>
+                <a:stretch>
+                  <a:fillRect b="-7692"/>
+                </a:stretch>
+              </a:blipFill>
+            </p:spPr>
+            <p:txBody>
+              <a:bodyPr/>
+              <a:lstStyle/>
+              <a:p>
+                <a:r>
+                  <a:rPr lang="zh-CN" altLang="en-US">
+                    <a:noFill/>
+                  </a:rPr>
+                  <a:t> </a:t>
+                </a:r>
+              </a:p>
+            </p:txBody>
+          </p:sp>
+        </mc:Fallback>
+      </mc:AlternateContent>
       <p:sp>
         <p:nvSpPr>
           <p:cNvPr id="5" name="椭圆 4">
@@ -25937,10 +26519,18 @@
           <a:p>
             <a:pPr algn="ctr"/>
             <a:r>
-              <a:rPr kumimoji="1" lang="en-US" altLang="zh-CN" dirty="0"/>
+              <a:rPr kumimoji="1" lang="en-US" altLang="zh-CN" dirty="0">
+                <a:solidFill>
+                  <a:schemeClr val="tx1"/>
+                </a:solidFill>
+              </a:rPr>
               <a:t>e</a:t>
             </a:r>
-            <a:endParaRPr kumimoji="1" lang="zh-CN" altLang="en-US" dirty="0"/>
+            <a:endParaRPr kumimoji="1" lang="zh-CN" altLang="en-US" dirty="0">
+              <a:solidFill>
+                <a:schemeClr val="tx1"/>
+              </a:solidFill>
+            </a:endParaRPr>
           </a:p>
         </p:txBody>
       </p:sp>
@@ -25967,7 +26557,7 @@
           <a:prstGeom prst="straightConnector1">
             <a:avLst/>
           </a:prstGeom>
-          <a:ln>
+          <a:ln w="38100">
             <a:tailEnd type="triangle"/>
           </a:ln>
         </p:spPr>
@@ -26010,7 +26600,7 @@
           <a:prstGeom prst="straightConnector1">
             <a:avLst/>
           </a:prstGeom>
-          <a:ln>
+          <a:ln w="38100">
             <a:tailEnd type="triangle"/>
           </a:ln>
         </p:spPr>
@@ -26044,7 +26634,7 @@
         <p:spPr>
           <a:xfrm>
             <a:off x="5280118" y="2930571"/>
-            <a:ext cx="815882" cy="369332"/>
+            <a:ext cx="419908" cy="369332"/>
           </a:xfrm>
           <a:prstGeom prst="rect">
             <a:avLst/>
@@ -26158,7 +26748,7 @@
                 <a:avLst/>
               </a:prstGeom>
               <a:blipFill>
-                <a:blip r:embed="rId2"/>
+                <a:blip r:embed="rId3"/>
                 <a:stretch>
                   <a:fillRect t="-6667" b="-23333"/>
                 </a:stretch>
@@ -26317,7 +26907,7 @@
                 <a:avLst/>
               </a:prstGeom>
               <a:blipFill>
-                <a:blip r:embed="rId3"/>
+                <a:blip r:embed="rId4"/>
                 <a:stretch>
                   <a:fillRect l="-4286" t="-1351" b="-9459"/>
                 </a:stretch>
@@ -26381,10 +26971,18 @@
           <a:p>
             <a:pPr algn="ctr"/>
             <a:r>
-              <a:rPr kumimoji="1" lang="en-US" altLang="zh-CN" dirty="0"/>
+              <a:rPr kumimoji="1" lang="en-US" altLang="zh-CN" dirty="0">
+                <a:solidFill>
+                  <a:schemeClr val="tx1"/>
+                </a:solidFill>
+              </a:rPr>
               <a:t>s</a:t>
             </a:r>
-            <a:endParaRPr kumimoji="1" lang="zh-CN" altLang="en-US" dirty="0"/>
+            <a:endParaRPr kumimoji="1" lang="zh-CN" altLang="en-US" dirty="0">
+              <a:solidFill>
+                <a:schemeClr val="tx1"/>
+              </a:solidFill>
+            </a:endParaRPr>
           </a:p>
         </p:txBody>
       </p:sp>
@@ -26939,114 +27537,262 @@
           </a:p>
         </p:txBody>
       </p:sp>
-      <p:sp>
-        <p:nvSpPr>
-          <p:cNvPr id="4" name="椭圆 3">
-            <a:extLst>
-              <a:ext uri="{FF2B5EF4-FFF2-40B4-BE49-F238E27FC236}">
-                <a16:creationId xmlns:a16="http://schemas.microsoft.com/office/drawing/2014/main" id="{97711026-C053-4649-A693-302DE3A71D19}"/>
-              </a:ext>
-            </a:extLst>
-          </p:cNvPr>
-          <p:cNvSpPr/>
-          <p:nvPr/>
-        </p:nvSpPr>
-        <p:spPr>
-          <a:xfrm>
-            <a:off x="5592261" y="2438400"/>
-            <a:ext cx="1168537" cy="471678"/>
-          </a:xfrm>
-          <a:prstGeom prst="ellipse">
-            <a:avLst/>
-          </a:prstGeom>
-        </p:spPr>
-        <p:style>
-          <a:lnRef idx="2">
-            <a:schemeClr val="accent1">
-              <a:shade val="50000"/>
-            </a:schemeClr>
-          </a:lnRef>
-          <a:fillRef idx="1">
-            <a:schemeClr val="accent1"/>
-          </a:fillRef>
-          <a:effectRef idx="0">
-            <a:schemeClr val="accent1"/>
-          </a:effectRef>
-          <a:fontRef idx="minor">
-            <a:schemeClr val="lt1"/>
-          </a:fontRef>
-        </p:style>
-        <p:txBody>
-          <a:bodyPr rtlCol="0" anchor="ctr"/>
-          <a:lstStyle/>
-          <a:p>
-            <a:pPr algn="ctr"/>
-            <a:r>
-              <a:rPr kumimoji="1" lang="en-US" altLang="zh-CN" dirty="0" err="1"/>
-              <a:t>i</a:t>
-            </a:r>
-            <a:r>
-              <a:rPr kumimoji="1" lang="en-US" altLang="zh-CN" dirty="0"/>
-              <a:t>&lt;=n</a:t>
-            </a:r>
-            <a:endParaRPr kumimoji="1" lang="zh-CN" altLang="en-US" dirty="0"/>
-          </a:p>
-        </p:txBody>
-      </p:sp>
-      <p:sp>
-        <p:nvSpPr>
-          <p:cNvPr id="5" name="椭圆 4">
-            <a:extLst>
-              <a:ext uri="{FF2B5EF4-FFF2-40B4-BE49-F238E27FC236}">
-                <a16:creationId xmlns:a16="http://schemas.microsoft.com/office/drawing/2014/main" id="{68B10703-3303-AB4C-B3C6-E57135DCCD3B}"/>
-              </a:ext>
-            </a:extLst>
-          </p:cNvPr>
-          <p:cNvSpPr/>
-          <p:nvPr/>
-        </p:nvSpPr>
-        <p:spPr>
-          <a:xfrm>
-            <a:off x="4420058" y="3414522"/>
-            <a:ext cx="1172204" cy="471678"/>
-          </a:xfrm>
-          <a:prstGeom prst="ellipse">
-            <a:avLst/>
-          </a:prstGeom>
-        </p:spPr>
-        <p:style>
-          <a:lnRef idx="2">
-            <a:schemeClr val="accent1">
-              <a:shade val="50000"/>
-            </a:schemeClr>
-          </a:lnRef>
-          <a:fillRef idx="1">
-            <a:schemeClr val="accent1"/>
-          </a:fillRef>
-          <a:effectRef idx="0">
-            <a:schemeClr val="accent1"/>
-          </a:effectRef>
-          <a:fontRef idx="minor">
-            <a:schemeClr val="lt1"/>
-          </a:fontRef>
-        </p:style>
-        <p:txBody>
-          <a:bodyPr rtlCol="0" anchor="ctr"/>
-          <a:lstStyle/>
-          <a:p>
-            <a:pPr algn="ctr"/>
-            <a:r>
-              <a:rPr kumimoji="1" lang="en-US" altLang="zh-CN" dirty="0" err="1"/>
-              <a:t>i</a:t>
-            </a:r>
-            <a:r>
-              <a:rPr kumimoji="1" lang="en-US" altLang="zh-CN" dirty="0"/>
-              <a:t>&lt;=n</a:t>
-            </a:r>
-            <a:endParaRPr kumimoji="1" lang="zh-CN" altLang="en-US" dirty="0"/>
-          </a:p>
-        </p:txBody>
-      </p:sp>
+      <mc:AlternateContent xmlns:mc="http://schemas.openxmlformats.org/markup-compatibility/2006">
+        <mc:Choice xmlns:a14="http://schemas.microsoft.com/office/drawing/2010/main" Requires="a14">
+          <p:sp>
+            <p:nvSpPr>
+              <p:cNvPr id="4" name="椭圆 3">
+                <a:extLst>
+                  <a:ext uri="{FF2B5EF4-FFF2-40B4-BE49-F238E27FC236}">
+                    <a16:creationId xmlns:a16="http://schemas.microsoft.com/office/drawing/2014/main" id="{97711026-C053-4649-A693-302DE3A71D19}"/>
+                  </a:ext>
+                </a:extLst>
+              </p:cNvPr>
+              <p:cNvSpPr/>
+              <p:nvPr/>
+            </p:nvSpPr>
+            <p:spPr>
+              <a:xfrm>
+                <a:off x="5592261" y="2438400"/>
+                <a:ext cx="1168537" cy="471678"/>
+              </a:xfrm>
+              <a:prstGeom prst="ellipse">
+                <a:avLst/>
+              </a:prstGeom>
+            </p:spPr>
+            <p:style>
+              <a:lnRef idx="2">
+                <a:schemeClr val="accent1">
+                  <a:shade val="50000"/>
+                </a:schemeClr>
+              </a:lnRef>
+              <a:fillRef idx="1">
+                <a:schemeClr val="accent1"/>
+              </a:fillRef>
+              <a:effectRef idx="0">
+                <a:schemeClr val="accent1"/>
+              </a:effectRef>
+              <a:fontRef idx="minor">
+                <a:schemeClr val="lt1"/>
+              </a:fontRef>
+            </p:style>
+            <p:txBody>
+              <a:bodyPr rtlCol="0" anchor="ctr"/>
+              <a:lstStyle/>
+              <a:p>
+                <a:pPr algn="ctr"/>
+                <a:r>
+                  <a:rPr kumimoji="1" lang="en-US" altLang="zh-CN" dirty="0">
+                    <a:solidFill>
+                      <a:schemeClr val="tx1"/>
+                    </a:solidFill>
+                  </a:rPr>
+                  <a:t>i</a:t>
+                </a:r>
+                <a14:m>
+                  <m:oMath xmlns:m="http://schemas.openxmlformats.org/officeDocument/2006/math">
+                    <m:r>
+                      <a:rPr kumimoji="1" lang="en-US" altLang="zh-CN" i="1" smtClean="0">
+                        <a:solidFill>
+                          <a:schemeClr val="tx1"/>
+                        </a:solidFill>
+                        <a:latin typeface="Cambria Math" panose="02040503050406030204" pitchFamily="18" charset="0"/>
+                        <a:ea typeface="Cambria Math" panose="02040503050406030204" pitchFamily="18" charset="0"/>
+                      </a:rPr>
+                      <m:t>≤</m:t>
+                    </m:r>
+                  </m:oMath>
+                </a14:m>
+                <a:r>
+                  <a:rPr kumimoji="1" lang="en-US" altLang="zh-CN" dirty="0">
+                    <a:solidFill>
+                      <a:schemeClr val="tx1"/>
+                    </a:solidFill>
+                  </a:rPr>
+                  <a:t>n</a:t>
+                </a:r>
+                <a:endParaRPr kumimoji="1" lang="zh-CN" altLang="en-US" dirty="0">
+                  <a:solidFill>
+                    <a:schemeClr val="tx1"/>
+                  </a:solidFill>
+                </a:endParaRPr>
+              </a:p>
+            </p:txBody>
+          </p:sp>
+        </mc:Choice>
+        <mc:Fallback>
+          <p:sp>
+            <p:nvSpPr>
+              <p:cNvPr id="4" name="椭圆 3">
+                <a:extLst>
+                  <a:ext uri="{FF2B5EF4-FFF2-40B4-BE49-F238E27FC236}">
+                    <a16:creationId xmlns:a16="http://schemas.microsoft.com/office/drawing/2014/main" id="{97711026-C053-4649-A693-302DE3A71D19}"/>
+                  </a:ext>
+                </a:extLst>
+              </p:cNvPr>
+              <p:cNvSpPr>
+                <a:spLocks noRot="1" noChangeAspect="1" noMove="1" noResize="1" noEditPoints="1" noAdjustHandles="1" noChangeArrowheads="1" noChangeShapeType="1" noTextEdit="1"/>
+              </p:cNvSpPr>
+              <p:nvPr/>
+            </p:nvSpPr>
+            <p:spPr>
+              <a:xfrm>
+                <a:off x="5592261" y="2438400"/>
+                <a:ext cx="1168537" cy="471678"/>
+              </a:xfrm>
+              <a:prstGeom prst="ellipse">
+                <a:avLst/>
+              </a:prstGeom>
+              <a:blipFill>
+                <a:blip r:embed="rId2"/>
+                <a:stretch>
+                  <a:fillRect b="-7692"/>
+                </a:stretch>
+              </a:blipFill>
+            </p:spPr>
+            <p:txBody>
+              <a:bodyPr/>
+              <a:lstStyle/>
+              <a:p>
+                <a:r>
+                  <a:rPr lang="zh-CN" altLang="en-US">
+                    <a:noFill/>
+                  </a:rPr>
+                  <a:t> </a:t>
+                </a:r>
+              </a:p>
+            </p:txBody>
+          </p:sp>
+        </mc:Fallback>
+      </mc:AlternateContent>
+      <mc:AlternateContent xmlns:mc="http://schemas.openxmlformats.org/markup-compatibility/2006">
+        <mc:Choice xmlns:a14="http://schemas.microsoft.com/office/drawing/2010/main" Requires="a14">
+          <p:sp>
+            <p:nvSpPr>
+              <p:cNvPr id="5" name="椭圆 4">
+                <a:extLst>
+                  <a:ext uri="{FF2B5EF4-FFF2-40B4-BE49-F238E27FC236}">
+                    <a16:creationId xmlns:a16="http://schemas.microsoft.com/office/drawing/2014/main" id="{68B10703-3303-AB4C-B3C6-E57135DCCD3B}"/>
+                  </a:ext>
+                </a:extLst>
+              </p:cNvPr>
+              <p:cNvSpPr/>
+              <p:nvPr/>
+            </p:nvSpPr>
+            <p:spPr>
+              <a:xfrm>
+                <a:off x="4420058" y="3414522"/>
+                <a:ext cx="1172204" cy="471678"/>
+              </a:xfrm>
+              <a:prstGeom prst="ellipse">
+                <a:avLst/>
+              </a:prstGeom>
+            </p:spPr>
+            <p:style>
+              <a:lnRef idx="2">
+                <a:schemeClr val="accent1">
+                  <a:shade val="50000"/>
+                </a:schemeClr>
+              </a:lnRef>
+              <a:fillRef idx="1">
+                <a:schemeClr val="accent1"/>
+              </a:fillRef>
+              <a:effectRef idx="0">
+                <a:schemeClr val="accent1"/>
+              </a:effectRef>
+              <a:fontRef idx="minor">
+                <a:schemeClr val="lt1"/>
+              </a:fontRef>
+            </p:style>
+            <p:txBody>
+              <a:bodyPr rtlCol="0" anchor="ctr"/>
+              <a:lstStyle/>
+              <a:p>
+                <a:pPr algn="ctr"/>
+                <a:r>
+                  <a:rPr kumimoji="1" lang="en-US" altLang="zh-CN" dirty="0" err="1">
+                    <a:solidFill>
+                      <a:schemeClr val="tx1"/>
+                    </a:solidFill>
+                  </a:rPr>
+                  <a:t>i</a:t>
+                </a:r>
+                <a14:m>
+                  <m:oMath xmlns:m="http://schemas.openxmlformats.org/officeDocument/2006/math">
+                    <m:r>
+                      <a:rPr kumimoji="1" lang="en-US" altLang="zh-CN" i="1" smtClean="0">
+                        <a:solidFill>
+                          <a:schemeClr val="tx1"/>
+                        </a:solidFill>
+                        <a:latin typeface="Cambria Math" panose="02040503050406030204" pitchFamily="18" charset="0"/>
+                        <a:ea typeface="Cambria Math" panose="02040503050406030204" pitchFamily="18" charset="0"/>
+                      </a:rPr>
+                      <m:t>≤</m:t>
+                    </m:r>
+                  </m:oMath>
+                </a14:m>
+                <a:r>
+                  <a:rPr kumimoji="1" lang="en-US" altLang="zh-CN" dirty="0">
+                    <a:solidFill>
+                      <a:schemeClr val="tx1"/>
+                    </a:solidFill>
+                  </a:rPr>
+                  <a:t>n</a:t>
+                </a:r>
+                <a:endParaRPr kumimoji="1" lang="zh-CN" altLang="en-US" dirty="0">
+                  <a:solidFill>
+                    <a:schemeClr val="tx1"/>
+                  </a:solidFill>
+                </a:endParaRPr>
+              </a:p>
+            </p:txBody>
+          </p:sp>
+        </mc:Choice>
+        <mc:Fallback>
+          <p:sp>
+            <p:nvSpPr>
+              <p:cNvPr id="5" name="椭圆 4">
+                <a:extLst>
+                  <a:ext uri="{FF2B5EF4-FFF2-40B4-BE49-F238E27FC236}">
+                    <a16:creationId xmlns:a16="http://schemas.microsoft.com/office/drawing/2014/main" id="{68B10703-3303-AB4C-B3C6-E57135DCCD3B}"/>
+                  </a:ext>
+                </a:extLst>
+              </p:cNvPr>
+              <p:cNvSpPr>
+                <a:spLocks noRot="1" noChangeAspect="1" noMove="1" noResize="1" noEditPoints="1" noAdjustHandles="1" noChangeArrowheads="1" noChangeShapeType="1" noTextEdit="1"/>
+              </p:cNvSpPr>
+              <p:nvPr/>
+            </p:nvSpPr>
+            <p:spPr>
+              <a:xfrm>
+                <a:off x="4420058" y="3414522"/>
+                <a:ext cx="1172204" cy="471678"/>
+              </a:xfrm>
+              <a:prstGeom prst="ellipse">
+                <a:avLst/>
+              </a:prstGeom>
+              <a:blipFill>
+                <a:blip r:embed="rId3"/>
+                <a:stretch>
+                  <a:fillRect b="-7317"/>
+                </a:stretch>
+              </a:blipFill>
+            </p:spPr>
+            <p:txBody>
+              <a:bodyPr/>
+              <a:lstStyle/>
+              <a:p>
+                <a:r>
+                  <a:rPr lang="zh-CN" altLang="en-US">
+                    <a:noFill/>
+                  </a:rPr>
+                  <a:t> </a:t>
+                </a:r>
+              </a:p>
+            </p:txBody>
+          </p:sp>
+        </mc:Fallback>
+      </mc:AlternateContent>
       <p:cxnSp>
         <p:nvCxnSpPr>
           <p:cNvPr id="7" name="直线箭头连接符 6">
@@ -27070,7 +27816,7 @@
           <a:prstGeom prst="straightConnector1">
             <a:avLst/>
           </a:prstGeom>
-          <a:ln>
+          <a:ln w="38100">
             <a:tailEnd type="triangle"/>
           </a:ln>
         </p:spPr>
@@ -27112,7 +27858,7 @@
           <a:prstGeom prst="straightConnector1">
             <a:avLst/>
           </a:prstGeom>
-          <a:ln>
+          <a:ln w="38100">
             <a:tailEnd type="triangle"/>
           </a:ln>
         </p:spPr>
@@ -27175,8 +27921,8 @@
           </a:p>
         </p:txBody>
       </p:sp>
-      <mc:AlternateContent xmlns:mc="http://schemas.openxmlformats.org/markup-compatibility/2006" xmlns:a14="http://schemas.microsoft.com/office/drawing/2010/main">
-        <mc:Choice Requires="a14">
+      <mc:AlternateContent xmlns:mc="http://schemas.openxmlformats.org/markup-compatibility/2006">
+        <mc:Choice xmlns:a14="http://schemas.microsoft.com/office/drawing/2010/main" Requires="a14">
           <p:sp>
             <p:nvSpPr>
               <p:cNvPr id="29" name="文本框 28">
@@ -27191,8 +27937,8 @@
             </p:nvSpPr>
             <p:spPr>
               <a:xfrm>
-                <a:off x="6659681" y="2877812"/>
-                <a:ext cx="815882" cy="369332"/>
+                <a:off x="6477000" y="2819400"/>
+                <a:ext cx="634013" cy="369332"/>
               </a:xfrm>
               <a:prstGeom prst="rect">
                 <a:avLst/>
@@ -27236,7 +27982,7 @@
             </p:txBody>
           </p:sp>
         </mc:Choice>
-        <mc:Fallback xmlns="">
+        <mc:Fallback>
           <p:sp>
             <p:nvSpPr>
               <p:cNvPr id="29" name="文本框 28">
@@ -27253,16 +27999,16 @@
             </p:nvSpPr>
             <p:spPr>
               <a:xfrm>
-                <a:off x="6659681" y="2877812"/>
-                <a:ext cx="815882" cy="369332"/>
+                <a:off x="6477000" y="2819400"/>
+                <a:ext cx="634013" cy="369332"/>
               </a:xfrm>
               <a:prstGeom prst="rect">
                 <a:avLst/>
               </a:prstGeom>
               <a:blipFill>
-                <a:blip r:embed="rId2"/>
+                <a:blip r:embed="rId4"/>
                 <a:stretch>
-                  <a:fillRect t="-6667" b="-23333"/>
+                  <a:fillRect t="-10000" b="-23333"/>
                 </a:stretch>
               </a:blipFill>
             </p:spPr>
@@ -27419,7 +28165,7 @@
                 <a:avLst/>
               </a:prstGeom>
               <a:blipFill>
-                <a:blip r:embed="rId3"/>
+                <a:blip r:embed="rId5"/>
                 <a:stretch>
                   <a:fillRect l="-5797" t="-1351" b="-9459"/>
                 </a:stretch>
@@ -27440,60 +28186,143 @@
           </p:sp>
         </mc:Fallback>
       </mc:AlternateContent>
-      <p:sp>
-        <p:nvSpPr>
-          <p:cNvPr id="25" name="椭圆 24">
-            <a:extLst>
-              <a:ext uri="{FF2B5EF4-FFF2-40B4-BE49-F238E27FC236}">
-                <a16:creationId xmlns:a16="http://schemas.microsoft.com/office/drawing/2014/main" id="{95EEC447-8970-4541-B749-3CD998892BEB}"/>
-              </a:ext>
-            </a:extLst>
-          </p:cNvPr>
-          <p:cNvSpPr/>
-          <p:nvPr/>
-        </p:nvSpPr>
-        <p:spPr>
-          <a:xfrm>
-            <a:off x="3657600" y="4252722"/>
-            <a:ext cx="1038517" cy="471678"/>
-          </a:xfrm>
-          <a:prstGeom prst="ellipse">
-            <a:avLst/>
-          </a:prstGeom>
-        </p:spPr>
-        <p:style>
-          <a:lnRef idx="2">
-            <a:schemeClr val="accent1">
-              <a:shade val="50000"/>
-            </a:schemeClr>
-          </a:lnRef>
-          <a:fillRef idx="1">
-            <a:schemeClr val="accent1"/>
-          </a:fillRef>
-          <a:effectRef idx="0">
-            <a:schemeClr val="accent1"/>
-          </a:effectRef>
-          <a:fontRef idx="minor">
-            <a:schemeClr val="lt1"/>
-          </a:fontRef>
-        </p:style>
-        <p:txBody>
-          <a:bodyPr rtlCol="0" anchor="ctr"/>
-          <a:lstStyle/>
-          <a:p>
-            <a:pPr algn="ctr"/>
-            <a:r>
-              <a:rPr kumimoji="1" lang="en-US" altLang="zh-CN" dirty="0" err="1"/>
-              <a:t>i</a:t>
-            </a:r>
-            <a:r>
-              <a:rPr kumimoji="1" lang="en-US" altLang="zh-CN" dirty="0"/>
-              <a:t>&lt;=n</a:t>
-            </a:r>
-            <a:endParaRPr kumimoji="1" lang="zh-CN" altLang="en-US" dirty="0"/>
-          </a:p>
-        </p:txBody>
-      </p:sp>
+      <mc:AlternateContent xmlns:mc="http://schemas.openxmlformats.org/markup-compatibility/2006">
+        <mc:Choice xmlns:a14="http://schemas.microsoft.com/office/drawing/2010/main" Requires="a14">
+          <p:sp>
+            <p:nvSpPr>
+              <p:cNvPr id="25" name="椭圆 24">
+                <a:extLst>
+                  <a:ext uri="{FF2B5EF4-FFF2-40B4-BE49-F238E27FC236}">
+                    <a16:creationId xmlns:a16="http://schemas.microsoft.com/office/drawing/2014/main" id="{95EEC447-8970-4541-B749-3CD998892BEB}"/>
+                  </a:ext>
+                </a:extLst>
+              </p:cNvPr>
+              <p:cNvSpPr/>
+              <p:nvPr/>
+            </p:nvSpPr>
+            <p:spPr>
+              <a:xfrm>
+                <a:off x="3657600" y="4252722"/>
+                <a:ext cx="1038517" cy="471678"/>
+              </a:xfrm>
+              <a:prstGeom prst="ellipse">
+                <a:avLst/>
+              </a:prstGeom>
+            </p:spPr>
+            <p:style>
+              <a:lnRef idx="2">
+                <a:schemeClr val="accent1">
+                  <a:shade val="50000"/>
+                </a:schemeClr>
+              </a:lnRef>
+              <a:fillRef idx="1">
+                <a:schemeClr val="accent1"/>
+              </a:fillRef>
+              <a:effectRef idx="0">
+                <a:schemeClr val="accent1"/>
+              </a:effectRef>
+              <a:fontRef idx="minor">
+                <a:schemeClr val="lt1"/>
+              </a:fontRef>
+            </p:style>
+            <p:txBody>
+              <a:bodyPr rtlCol="0" anchor="ctr"/>
+              <a:lstStyle/>
+              <a:p>
+                <a:pPr algn="ctr"/>
+                <a:r>
+                  <a:rPr kumimoji="1" lang="en-US" altLang="zh-CN" dirty="0" err="1">
+                    <a:solidFill>
+                      <a:schemeClr val="tx1"/>
+                    </a:solidFill>
+                  </a:rPr>
+                  <a:t>i</a:t>
+                </a:r>
+                <a:r>
+                  <a:rPr kumimoji="1" lang="en-US" altLang="zh-CN" dirty="0">
+                    <a:solidFill>
+                      <a:schemeClr val="tx1"/>
+                    </a:solidFill>
+                    <a:ea typeface="Cambria Math" panose="02040503050406030204" pitchFamily="18" charset="0"/>
+                  </a:rPr>
+                  <a:t> </a:t>
+                </a:r>
+                <a14:m>
+                  <m:oMath xmlns:m="http://schemas.openxmlformats.org/officeDocument/2006/math">
+                    <m:r>
+                      <a:rPr kumimoji="1" lang="en-US" altLang="zh-CN" i="1">
+                        <a:solidFill>
+                          <a:schemeClr val="tx1"/>
+                        </a:solidFill>
+                        <a:latin typeface="Cambria Math" panose="02040503050406030204" pitchFamily="18" charset="0"/>
+                        <a:ea typeface="Cambria Math" panose="02040503050406030204" pitchFamily="18" charset="0"/>
+                      </a:rPr>
+                      <m:t>≤ </m:t>
+                    </m:r>
+                  </m:oMath>
+                </a14:m>
+                <a:r>
+                  <a:rPr kumimoji="1" lang="en-US" altLang="zh-CN" dirty="0">
+                    <a:solidFill>
+                      <a:schemeClr val="tx1"/>
+                    </a:solidFill>
+                  </a:rPr>
+                  <a:t>n</a:t>
+                </a:r>
+                <a:endParaRPr kumimoji="1" lang="zh-CN" altLang="en-US" dirty="0">
+                  <a:solidFill>
+                    <a:schemeClr val="tx1"/>
+                  </a:solidFill>
+                </a:endParaRPr>
+              </a:p>
+            </p:txBody>
+          </p:sp>
+        </mc:Choice>
+        <mc:Fallback>
+          <p:sp>
+            <p:nvSpPr>
+              <p:cNvPr id="25" name="椭圆 24">
+                <a:extLst>
+                  <a:ext uri="{FF2B5EF4-FFF2-40B4-BE49-F238E27FC236}">
+                    <a16:creationId xmlns:a16="http://schemas.microsoft.com/office/drawing/2014/main" id="{95EEC447-8970-4541-B749-3CD998892BEB}"/>
+                  </a:ext>
+                </a:extLst>
+              </p:cNvPr>
+              <p:cNvSpPr>
+                <a:spLocks noRot="1" noChangeAspect="1" noMove="1" noResize="1" noEditPoints="1" noAdjustHandles="1" noChangeArrowheads="1" noChangeShapeType="1" noTextEdit="1"/>
+              </p:cNvSpPr>
+              <p:nvPr/>
+            </p:nvSpPr>
+            <p:spPr>
+              <a:xfrm>
+                <a:off x="3657600" y="4252722"/>
+                <a:ext cx="1038517" cy="471678"/>
+              </a:xfrm>
+              <a:prstGeom prst="ellipse">
+                <a:avLst/>
+              </a:prstGeom>
+              <a:blipFill>
+                <a:blip r:embed="rId6"/>
+                <a:stretch>
+                  <a:fillRect b="-7692"/>
+                </a:stretch>
+              </a:blipFill>
+            </p:spPr>
+            <p:txBody>
+              <a:bodyPr/>
+              <a:lstStyle/>
+              <a:p>
+                <a:r>
+                  <a:rPr lang="zh-CN" altLang="en-US">
+                    <a:noFill/>
+                  </a:rPr>
+                  <a:t> </a:t>
+                </a:r>
+              </a:p>
+            </p:txBody>
+          </p:sp>
+        </mc:Fallback>
+      </mc:AlternateContent>
       <p:cxnSp>
         <p:nvCxnSpPr>
           <p:cNvPr id="28" name="直线箭头连接符 27">
@@ -27517,7 +28346,7 @@
           <a:prstGeom prst="straightConnector1">
             <a:avLst/>
           </a:prstGeom>
-          <a:ln>
+          <a:ln w="38100">
             <a:tailEnd type="triangle"/>
           </a:ln>
         </p:spPr>
@@ -27579,10 +28408,18 @@
           <a:p>
             <a:pPr algn="ctr"/>
             <a:r>
-              <a:rPr kumimoji="1" lang="en-US" altLang="zh-CN" dirty="0"/>
+              <a:rPr kumimoji="1" lang="en-US" altLang="zh-CN" dirty="0">
+                <a:solidFill>
+                  <a:schemeClr val="tx1"/>
+                </a:solidFill>
+              </a:rPr>
               <a:t>s</a:t>
             </a:r>
-            <a:endParaRPr kumimoji="1" lang="zh-CN" altLang="en-US" dirty="0"/>
+            <a:endParaRPr kumimoji="1" lang="zh-CN" altLang="en-US" dirty="0">
+              <a:solidFill>
+                <a:schemeClr val="tx1"/>
+              </a:solidFill>
+            </a:endParaRPr>
           </a:p>
         </p:txBody>
       </p:sp>
@@ -27609,7 +28446,7 @@
           <a:prstGeom prst="straightConnector1">
             <a:avLst/>
           </a:prstGeom>
-          <a:ln>
+          <a:ln w="38100">
             <a:tailEnd type="triangle"/>
           </a:ln>
         </p:spPr>
@@ -27766,7 +28603,7 @@
                 <a:avLst/>
               </a:prstGeom>
               <a:blipFill>
-                <a:blip r:embed="rId4"/>
+                <a:blip r:embed="rId7"/>
                 <a:stretch>
                   <a:fillRect l="-3261" t="-1351" b="-9459"/>
                 </a:stretch>
@@ -27801,8 +28638,8 @@
         </p:nvSpPr>
         <p:spPr>
           <a:xfrm>
-            <a:off x="3657600" y="3883390"/>
-            <a:ext cx="1327014" cy="369332"/>
+            <a:off x="3657600" y="3969108"/>
+            <a:ext cx="1038517" cy="369332"/>
           </a:xfrm>
           <a:prstGeom prst="rect">
             <a:avLst/>
@@ -27821,7 +28658,7 @@
                   <a:srgbClr val="FF0000"/>
                 </a:solidFill>
               </a:rPr>
-              <a:t>0+1&lt;=n</a:t>
+              <a:t>0+1 ≤ n</a:t>
             </a:r>
             <a:endParaRPr kumimoji="1" lang="zh-CN" altLang="en-US" dirty="0">
               <a:solidFill>
@@ -27853,7 +28690,7 @@
           <a:prstGeom prst="straightConnector1">
             <a:avLst/>
           </a:prstGeom>
-          <a:ln>
+          <a:ln w="38100">
             <a:tailEnd type="triangle"/>
           </a:ln>
         </p:spPr>
@@ -27952,7 +28789,7 @@
                   <a:srgbClr val="FF0000"/>
                 </a:solidFill>
               </a:rPr>
-              <a:t>0+1+2&lt;=n</a:t>
+              <a:t>0+1+2 ≤ n</a:t>
             </a:r>
             <a:endParaRPr kumimoji="1" lang="zh-CN" altLang="en-US" dirty="0">
               <a:solidFill>
@@ -28068,7 +28905,7 @@
                   </m:oMath>
                 </a14:m>
                 <a:r>
-                  <a:rPr kumimoji="1" lang="en-US" altLang="zh-CN" sz="1400"/>
+                  <a:rPr kumimoji="1" lang="en-US" altLang="zh-CN" sz="1400" dirty="0"/>
                   <a:t>n</a:t>
                 </a:r>
                 <a:endParaRPr kumimoji="1" lang="zh-CN" altLang="en-US" sz="1400" dirty="0"/>
@@ -28100,7 +28937,7 @@
                 <a:avLst/>
               </a:prstGeom>
               <a:blipFill>
-                <a:blip r:embed="rId5"/>
+                <a:blip r:embed="rId8"/>
                 <a:stretch>
                   <a:fillRect l="-645" b="-6780"/>
                 </a:stretch>
@@ -28143,7 +28980,7 @@
           <a:prstGeom prst="straightConnector1">
             <a:avLst/>
           </a:prstGeom>
-          <a:ln>
+          <a:ln w="38100">
             <a:tailEnd type="triangle"/>
           </a:ln>
         </p:spPr>
@@ -28205,10 +29042,18 @@
           <a:p>
             <a:pPr algn="ctr"/>
             <a:r>
-              <a:rPr kumimoji="1" lang="en-US" altLang="zh-CN" dirty="0"/>
+              <a:rPr kumimoji="1" lang="en-US" altLang="zh-CN" dirty="0">
+                <a:solidFill>
+                  <a:schemeClr val="tx1"/>
+                </a:solidFill>
+              </a:rPr>
               <a:t>s</a:t>
             </a:r>
-            <a:endParaRPr kumimoji="1" lang="zh-CN" altLang="en-US" dirty="0"/>
+            <a:endParaRPr kumimoji="1" lang="zh-CN" altLang="en-US" dirty="0">
+              <a:solidFill>
+                <a:schemeClr val="tx1"/>
+              </a:solidFill>
+            </a:endParaRPr>
           </a:p>
         </p:txBody>
       </p:sp>
@@ -28255,10 +29100,18 @@
           <a:p>
             <a:pPr algn="ctr"/>
             <a:r>
-              <a:rPr kumimoji="1" lang="en-US" altLang="zh-CN" dirty="0"/>
+              <a:rPr kumimoji="1" lang="en-US" altLang="zh-CN" dirty="0">
+                <a:solidFill>
+                  <a:schemeClr val="tx1"/>
+                </a:solidFill>
+              </a:rPr>
               <a:t>s</a:t>
             </a:r>
-            <a:endParaRPr kumimoji="1" lang="zh-CN" altLang="en-US" dirty="0"/>
+            <a:endParaRPr kumimoji="1" lang="zh-CN" altLang="en-US" dirty="0">
+              <a:solidFill>
+                <a:schemeClr val="tx1"/>
+              </a:solidFill>
+            </a:endParaRPr>
           </a:p>
         </p:txBody>
       </p:sp>
@@ -28834,10 +29687,18 @@
           <a:p>
             <a:pPr algn="ctr"/>
             <a:r>
-              <a:rPr kumimoji="1" lang="en-US" altLang="zh-CN" dirty="0"/>
+              <a:rPr kumimoji="1" lang="en-US" altLang="zh-CN" dirty="0">
+                <a:solidFill>
+                  <a:schemeClr val="tx1"/>
+                </a:solidFill>
+              </a:rPr>
               <a:t>e</a:t>
             </a:r>
-            <a:endParaRPr kumimoji="1" lang="zh-CN" altLang="en-US" dirty="0"/>
+            <a:endParaRPr kumimoji="1" lang="zh-CN" altLang="en-US" dirty="0">
+              <a:solidFill>
+                <a:schemeClr val="tx1"/>
+              </a:solidFill>
+            </a:endParaRPr>
           </a:p>
         </p:txBody>
       </p:sp>
@@ -28886,16 +29747,16 @@
             <a:r>
               <a:rPr kumimoji="1" lang="en-US" altLang="zh-CN" dirty="0">
                 <a:solidFill>
-                  <a:srgbClr val="FF0000"/>
-                </a:solidFill>
-              </a:rPr>
-              <a:t>lib</a:t>
-            </a:r>
-            <a:r>
-              <a:rPr kumimoji="1" lang="en-US" altLang="zh-CN" dirty="0"/>
-              <a:t>()</a:t>
-            </a:r>
-            <a:endParaRPr kumimoji="1" lang="zh-CN" altLang="en-US" dirty="0"/>
+                  <a:schemeClr val="tx1"/>
+                </a:solidFill>
+              </a:rPr>
+              <a:t>lib()</a:t>
+            </a:r>
+            <a:endParaRPr kumimoji="1" lang="zh-CN" altLang="en-US" dirty="0">
+              <a:solidFill>
+                <a:schemeClr val="tx1"/>
+              </a:solidFill>
+            </a:endParaRPr>
           </a:p>
         </p:txBody>
       </p:sp>
@@ -28922,7 +29783,7 @@
           <a:prstGeom prst="straightConnector1">
             <a:avLst/>
           </a:prstGeom>
-          <a:ln>
+          <a:ln w="38100">
             <a:tailEnd type="triangle"/>
           </a:ln>
         </p:spPr>
@@ -28965,7 +29826,7 @@
           <a:prstGeom prst="straightConnector1">
             <a:avLst/>
           </a:prstGeom>
-          <a:ln>
+          <a:ln w="38100">
             <a:tailEnd type="triangle"/>
           </a:ln>
         </p:spPr>
@@ -28999,7 +29860,7 @@
         <p:spPr>
           <a:xfrm>
             <a:off x="5280118" y="2930571"/>
-            <a:ext cx="815882" cy="369332"/>
+            <a:ext cx="312143" cy="369332"/>
           </a:xfrm>
           <a:prstGeom prst="rect">
             <a:avLst/>
@@ -29028,8 +29889,8 @@
           </a:p>
         </p:txBody>
       </p:sp>
-      <mc:AlternateContent xmlns:mc="http://schemas.openxmlformats.org/markup-compatibility/2006" xmlns:a14="http://schemas.microsoft.com/office/drawing/2010/main">
-        <mc:Choice Requires="a14">
+      <mc:AlternateContent xmlns:mc="http://schemas.openxmlformats.org/markup-compatibility/2006">
+        <mc:Choice xmlns:a14="http://schemas.microsoft.com/office/drawing/2010/main" Requires="a14">
           <p:sp>
             <p:nvSpPr>
               <p:cNvPr id="29" name="文本框 28">
@@ -29044,7 +29905,7 @@
             </p:nvSpPr>
             <p:spPr>
               <a:xfrm>
-                <a:off x="6659681" y="2877812"/>
+                <a:off x="6956518" y="2877812"/>
                 <a:ext cx="815882" cy="369332"/>
               </a:xfrm>
               <a:prstGeom prst="rect">
@@ -29089,7 +29950,7 @@
             </p:txBody>
           </p:sp>
         </mc:Choice>
-        <mc:Fallback xmlns="">
+        <mc:Fallback>
           <p:sp>
             <p:nvSpPr>
               <p:cNvPr id="29" name="文本框 28">
@@ -29106,7 +29967,7 @@
             </p:nvSpPr>
             <p:spPr>
               <a:xfrm>
-                <a:off x="6659681" y="2877812"/>
+                <a:off x="6956518" y="2877812"/>
                 <a:ext cx="815882" cy="369332"/>
               </a:xfrm>
               <a:prstGeom prst="rect">
@@ -29115,7 +29976,7 @@
               <a:blipFill>
                 <a:blip r:embed="rId2"/>
                 <a:stretch>
-                  <a:fillRect t="-6667" b="-23333"/>
+                  <a:fillRect t="-6667" b="-26667"/>
                 </a:stretch>
               </a:blipFill>
             </p:spPr>
@@ -29177,10 +30038,18 @@
           <a:p>
             <a:pPr algn="ctr"/>
             <a:r>
-              <a:rPr kumimoji="1" lang="en-US" altLang="zh-CN" dirty="0"/>
+              <a:rPr kumimoji="1" lang="en-US" altLang="zh-CN" dirty="0">
+                <a:solidFill>
+                  <a:schemeClr val="tx1"/>
+                </a:solidFill>
+              </a:rPr>
               <a:t>...</a:t>
             </a:r>
-            <a:endParaRPr kumimoji="1" lang="zh-CN" altLang="en-US" dirty="0"/>
+            <a:endParaRPr kumimoji="1" lang="zh-CN" altLang="en-US" dirty="0">
+              <a:solidFill>
+                <a:schemeClr val="tx1"/>
+              </a:solidFill>
+            </a:endParaRPr>
           </a:p>
         </p:txBody>
       </p:sp>
@@ -29940,15 +30809,9 @@
               <a:rPr kumimoji="1" lang="en" altLang="zh-CN" dirty="0">
                 <a:hlinkClick r:id="rId3"/>
               </a:rPr>
-              <a:t>https://github.com/</a:t>
-            </a:r>
-            <a:r>
-              <a:rPr kumimoji="1" lang="en" altLang="zh-CN">
-                <a:hlinkClick r:id="rId3"/>
-              </a:rPr>
-              <a:t>javapathfinder</a:t>
-            </a:r>
-            <a:endParaRPr kumimoji="1" lang="en" altLang="zh-CN"/>
+              <a:t>https://github.com/javapathfinder</a:t>
+            </a:r>
+            <a:endParaRPr kumimoji="1" lang="en" altLang="zh-CN" dirty="0"/>
           </a:p>
         </p:txBody>
       </p:sp>
@@ -30520,10 +31383,18 @@
           <a:p>
             <a:pPr algn="ctr"/>
             <a:r>
-              <a:rPr kumimoji="1" lang="en-US" altLang="zh-CN" dirty="0"/>
+              <a:rPr kumimoji="1" lang="en-US" altLang="zh-CN" dirty="0">
+                <a:solidFill>
+                  <a:schemeClr val="tx1"/>
+                </a:solidFill>
+              </a:rPr>
               <a:t>e1</a:t>
             </a:r>
-            <a:endParaRPr kumimoji="1" lang="zh-CN" altLang="en-US" dirty="0"/>
+            <a:endParaRPr kumimoji="1" lang="zh-CN" altLang="en-US" dirty="0">
+              <a:solidFill>
+                <a:schemeClr val="tx1"/>
+              </a:solidFill>
+            </a:endParaRPr>
           </a:p>
         </p:txBody>
       </p:sp>
@@ -30570,10 +31441,18 @@
           <a:p>
             <a:pPr algn="ctr"/>
             <a:r>
-              <a:rPr kumimoji="1" lang="en-US" altLang="zh-CN" dirty="0"/>
+              <a:rPr kumimoji="1" lang="en-US" altLang="zh-CN" dirty="0">
+                <a:solidFill>
+                  <a:schemeClr val="tx1"/>
+                </a:solidFill>
+              </a:rPr>
               <a:t>e11</a:t>
             </a:r>
-            <a:endParaRPr kumimoji="1" lang="zh-CN" altLang="en-US" dirty="0"/>
+            <a:endParaRPr kumimoji="1" lang="zh-CN" altLang="en-US" dirty="0">
+              <a:solidFill>
+                <a:schemeClr val="tx1"/>
+              </a:solidFill>
+            </a:endParaRPr>
           </a:p>
         </p:txBody>
       </p:sp>
@@ -30620,10 +31499,18 @@
           <a:p>
             <a:pPr algn="ctr"/>
             <a:r>
-              <a:rPr kumimoji="1" lang="en-US" altLang="zh-CN" dirty="0"/>
+              <a:rPr kumimoji="1" lang="en-US" altLang="zh-CN" dirty="0">
+                <a:solidFill>
+                  <a:schemeClr val="tx1"/>
+                </a:solidFill>
+              </a:rPr>
               <a:t>e21</a:t>
             </a:r>
-            <a:endParaRPr kumimoji="1" lang="zh-CN" altLang="en-US" dirty="0"/>
+            <a:endParaRPr kumimoji="1" lang="zh-CN" altLang="en-US" dirty="0">
+              <a:solidFill>
+                <a:schemeClr val="tx1"/>
+              </a:solidFill>
+            </a:endParaRPr>
           </a:p>
         </p:txBody>
       </p:sp>
@@ -30650,7 +31537,7 @@
           <a:prstGeom prst="straightConnector1">
             <a:avLst/>
           </a:prstGeom>
-          <a:ln>
+          <a:ln w="38100">
             <a:tailEnd type="triangle"/>
           </a:ln>
         </p:spPr>
@@ -30693,7 +31580,7 @@
           <a:prstGeom prst="straightConnector1">
             <a:avLst/>
           </a:prstGeom>
-          <a:ln>
+          <a:ln w="38100">
             <a:tailEnd type="triangle"/>
           </a:ln>
         </p:spPr>
@@ -30799,10 +31686,18 @@
           <a:p>
             <a:pPr algn="ctr"/>
             <a:r>
-              <a:rPr kumimoji="1" lang="en-US" altLang="zh-CN" dirty="0"/>
+              <a:rPr kumimoji="1" lang="en-US" altLang="zh-CN" dirty="0">
+                <a:solidFill>
+                  <a:schemeClr val="tx1"/>
+                </a:solidFill>
+              </a:rPr>
               <a:t>e…</a:t>
             </a:r>
-            <a:endParaRPr kumimoji="1" lang="zh-CN" altLang="en-US" dirty="0"/>
+            <a:endParaRPr kumimoji="1" lang="zh-CN" altLang="en-US" dirty="0">
+              <a:solidFill>
+                <a:schemeClr val="tx1"/>
+              </a:solidFill>
+            </a:endParaRPr>
           </a:p>
         </p:txBody>
       </p:sp>
@@ -30829,7 +31724,7 @@
           <a:prstGeom prst="straightConnector1">
             <a:avLst/>
           </a:prstGeom>
-          <a:ln>
+          <a:ln w="38100">
             <a:tailEnd type="triangle"/>
           </a:ln>
         </p:spPr>
@@ -30916,7 +31811,7 @@
           <a:prstGeom prst="straightConnector1">
             <a:avLst/>
           </a:prstGeom>
-          <a:ln>
+          <a:ln w="38100">
             <a:tailEnd type="triangle"/>
           </a:ln>
         </p:spPr>
@@ -30978,10 +31873,18 @@
           <a:p>
             <a:pPr algn="ctr"/>
             <a:r>
-              <a:rPr kumimoji="1" lang="en-US" altLang="zh-CN" dirty="0"/>
+              <a:rPr kumimoji="1" lang="en-US" altLang="zh-CN" dirty="0">
+                <a:solidFill>
+                  <a:schemeClr val="tx1"/>
+                </a:solidFill>
+              </a:rPr>
               <a:t>e…</a:t>
             </a:r>
-            <a:endParaRPr kumimoji="1" lang="zh-CN" altLang="en-US" dirty="0"/>
+            <a:endParaRPr kumimoji="1" lang="zh-CN" altLang="en-US" dirty="0">
+              <a:solidFill>
+                <a:schemeClr val="tx1"/>
+              </a:solidFill>
+            </a:endParaRPr>
           </a:p>
         </p:txBody>
       </p:sp>
@@ -31007,7 +31910,7 @@
           <a:prstGeom prst="straightConnector1">
             <a:avLst/>
           </a:prstGeom>
-          <a:ln>
+          <a:ln w="38100">
             <a:tailEnd type="triangle"/>
           </a:ln>
         </p:spPr>
@@ -31069,10 +31972,18 @@
           <a:p>
             <a:pPr algn="ctr"/>
             <a:r>
-              <a:rPr kumimoji="1" lang="en-US" altLang="zh-CN" dirty="0"/>
+              <a:rPr kumimoji="1" lang="en-US" altLang="zh-CN" dirty="0">
+                <a:solidFill>
+                  <a:schemeClr val="tx1"/>
+                </a:solidFill>
+              </a:rPr>
               <a:t>e…</a:t>
             </a:r>
-            <a:endParaRPr kumimoji="1" lang="zh-CN" altLang="en-US" dirty="0"/>
+            <a:endParaRPr kumimoji="1" lang="zh-CN" altLang="en-US" dirty="0">
+              <a:solidFill>
+                <a:schemeClr val="tx1"/>
+              </a:solidFill>
+            </a:endParaRPr>
           </a:p>
         </p:txBody>
       </p:sp>
@@ -31099,7 +32010,7 @@
           <a:prstGeom prst="straightConnector1">
             <a:avLst/>
           </a:prstGeom>
-          <a:ln>
+          <a:ln w="38100">
             <a:tailEnd type="triangle"/>
           </a:ln>
         </p:spPr>
@@ -31186,7 +32097,7 @@
           <a:prstGeom prst="straightConnector1">
             <a:avLst/>
           </a:prstGeom>
-          <a:ln>
+          <a:ln w="38100">
             <a:tailEnd type="triangle"/>
           </a:ln>
         </p:spPr>
@@ -31248,10 +32159,18 @@
           <a:p>
             <a:pPr algn="ctr"/>
             <a:r>
-              <a:rPr kumimoji="1" lang="en-US" altLang="zh-CN" dirty="0"/>
+              <a:rPr kumimoji="1" lang="en-US" altLang="zh-CN" dirty="0">
+                <a:solidFill>
+                  <a:schemeClr val="tx1"/>
+                </a:solidFill>
+              </a:rPr>
               <a:t>e…</a:t>
             </a:r>
-            <a:endParaRPr kumimoji="1" lang="zh-CN" altLang="en-US" dirty="0"/>
+            <a:endParaRPr kumimoji="1" lang="zh-CN" altLang="en-US" dirty="0">
+              <a:solidFill>
+                <a:schemeClr val="tx1"/>
+              </a:solidFill>
+            </a:endParaRPr>
           </a:p>
         </p:txBody>
       </p:sp>
@@ -31277,7 +32196,7 @@
           <a:prstGeom prst="straightConnector1">
             <a:avLst/>
           </a:prstGeom>
-          <a:ln>
+          <a:ln w="38100">
             <a:tailEnd type="triangle"/>
           </a:ln>
         </p:spPr>
@@ -31698,7 +32617,7 @@
           <a:prstGeom prst="straightConnector1">
             <a:avLst/>
           </a:prstGeom>
-          <a:ln>
+          <a:ln w="38100">
             <a:tailEnd type="triangle"/>
           </a:ln>
         </p:spPr>
@@ -31785,7 +32704,7 @@
           <a:prstGeom prst="straightConnector1">
             <a:avLst/>
           </a:prstGeom>
-          <a:ln>
+          <a:ln w="38100">
             <a:tailEnd type="triangle"/>
           </a:ln>
         </p:spPr>
@@ -32772,10 +33691,18 @@
           <a:p>
             <a:pPr algn="ctr"/>
             <a:r>
-              <a:rPr kumimoji="1" lang="en-US" altLang="zh-CN" dirty="0"/>
+              <a:rPr kumimoji="1" lang="en-US" altLang="zh-CN" dirty="0">
+                <a:solidFill>
+                  <a:schemeClr val="tx1"/>
+                </a:solidFill>
+              </a:rPr>
               <a:t>if(e)</a:t>
             </a:r>
-            <a:endParaRPr kumimoji="1" lang="zh-CN" altLang="en-US" dirty="0"/>
+            <a:endParaRPr kumimoji="1" lang="zh-CN" altLang="en-US" dirty="0">
+              <a:solidFill>
+                <a:schemeClr val="tx1"/>
+              </a:solidFill>
+            </a:endParaRPr>
           </a:p>
         </p:txBody>
       </p:sp>
@@ -32822,10 +33749,18 @@
           <a:p>
             <a:pPr algn="ctr"/>
             <a:r>
-              <a:rPr kumimoji="1" lang="en-US" altLang="zh-CN" dirty="0"/>
+              <a:rPr kumimoji="1" lang="en-US" altLang="zh-CN" dirty="0">
+                <a:solidFill>
+                  <a:schemeClr val="tx1"/>
+                </a:solidFill>
+              </a:rPr>
               <a:t>lib()</a:t>
             </a:r>
-            <a:endParaRPr kumimoji="1" lang="zh-CN" altLang="en-US" dirty="0"/>
+            <a:endParaRPr kumimoji="1" lang="zh-CN" altLang="en-US" dirty="0">
+              <a:solidFill>
+                <a:schemeClr val="tx1"/>
+              </a:solidFill>
+            </a:endParaRPr>
           </a:p>
         </p:txBody>
       </p:sp>
@@ -32852,7 +33787,7 @@
           <a:prstGeom prst="straightConnector1">
             <a:avLst/>
           </a:prstGeom>
-          <a:ln>
+          <a:ln w="38100">
             <a:tailEnd type="triangle"/>
           </a:ln>
         </p:spPr>
@@ -32895,7 +33830,7 @@
           <a:prstGeom prst="straightConnector1">
             <a:avLst/>
           </a:prstGeom>
-          <a:ln>
+          <a:ln w="38100">
             <a:tailEnd type="triangle"/>
           </a:ln>
         </p:spPr>
@@ -32929,7 +33864,7 @@
         <p:spPr>
           <a:xfrm>
             <a:off x="5280118" y="2930571"/>
-            <a:ext cx="815882" cy="369332"/>
+            <a:ext cx="312143" cy="369332"/>
           </a:xfrm>
           <a:prstGeom prst="rect">
             <a:avLst/>
@@ -33107,10 +34042,18 @@
           <a:p>
             <a:pPr algn="ctr"/>
             <a:r>
-              <a:rPr kumimoji="1" lang="en-US" altLang="zh-CN" dirty="0"/>
+              <a:rPr kumimoji="1" lang="en-US" altLang="zh-CN" dirty="0">
+                <a:solidFill>
+                  <a:schemeClr val="tx1"/>
+                </a:solidFill>
+              </a:rPr>
               <a:t>...</a:t>
             </a:r>
-            <a:endParaRPr kumimoji="1" lang="zh-CN" altLang="en-US" dirty="0"/>
+            <a:endParaRPr kumimoji="1" lang="zh-CN" altLang="en-US" dirty="0">
+              <a:solidFill>
+                <a:schemeClr val="tx1"/>
+              </a:solidFill>
+            </a:endParaRPr>
           </a:p>
         </p:txBody>
       </p:sp>
@@ -33950,10 +34893,18 @@
           <a:p>
             <a:pPr algn="ctr"/>
             <a:r>
-              <a:rPr kumimoji="1" lang="en-US" altLang="zh-CN" dirty="0"/>
+              <a:rPr kumimoji="1" lang="en-US" altLang="zh-CN" dirty="0">
+                <a:solidFill>
+                  <a:schemeClr val="tx1"/>
+                </a:solidFill>
+              </a:rPr>
               <a:t>m==y</a:t>
             </a:r>
-            <a:endParaRPr kumimoji="1" lang="zh-CN" altLang="en-US" dirty="0"/>
+            <a:endParaRPr kumimoji="1" lang="zh-CN" altLang="en-US" dirty="0">
+              <a:solidFill>
+                <a:schemeClr val="tx1"/>
+              </a:solidFill>
+            </a:endParaRPr>
           </a:p>
         </p:txBody>
       </p:sp>
@@ -34000,10 +34951,18 @@
           <a:p>
             <a:pPr algn="ctr"/>
             <a:r>
-              <a:rPr kumimoji="1" lang="en-US" altLang="zh-CN" dirty="0"/>
+              <a:rPr kumimoji="1" lang="en-US" altLang="zh-CN" dirty="0">
+                <a:solidFill>
+                  <a:schemeClr val="tx1"/>
+                </a:solidFill>
+              </a:rPr>
               <a:t>…</a:t>
             </a:r>
-            <a:endParaRPr kumimoji="1" lang="zh-CN" altLang="en-US" dirty="0"/>
+            <a:endParaRPr kumimoji="1" lang="zh-CN" altLang="en-US" dirty="0">
+              <a:solidFill>
+                <a:schemeClr val="tx1"/>
+              </a:solidFill>
+            </a:endParaRPr>
           </a:p>
         </p:txBody>
       </p:sp>
@@ -34030,7 +34989,7 @@
           <a:prstGeom prst="straightConnector1">
             <a:avLst/>
           </a:prstGeom>
-          <a:ln>
+          <a:ln w="38100">
             <a:tailEnd type="triangle"/>
           </a:ln>
         </p:spPr>
@@ -34073,7 +35032,7 @@
           <a:prstGeom prst="straightConnector1">
             <a:avLst/>
           </a:prstGeom>
-          <a:ln>
+          <a:ln w="38100">
             <a:tailEnd type="triangle"/>
           </a:ln>
         </p:spPr>
@@ -34107,7 +35066,7 @@
         <p:spPr>
           <a:xfrm>
             <a:off x="5280118" y="2930571"/>
-            <a:ext cx="815882" cy="369332"/>
+            <a:ext cx="382154" cy="369332"/>
           </a:xfrm>
           <a:prstGeom prst="rect">
             <a:avLst/>
@@ -34285,10 +35244,18 @@
           <a:p>
             <a:pPr algn="ctr"/>
             <a:r>
-              <a:rPr kumimoji="1" lang="en-US" altLang="zh-CN" dirty="0"/>
+              <a:rPr kumimoji="1" lang="en-US" altLang="zh-CN" dirty="0">
+                <a:solidFill>
+                  <a:schemeClr val="tx1"/>
+                </a:solidFill>
+              </a:rPr>
               <a:t>...</a:t>
             </a:r>
-            <a:endParaRPr kumimoji="1" lang="zh-CN" altLang="en-US" dirty="0"/>
+            <a:endParaRPr kumimoji="1" lang="zh-CN" altLang="en-US" dirty="0">
+              <a:solidFill>
+                <a:schemeClr val="tx1"/>
+              </a:solidFill>
+            </a:endParaRPr>
           </a:p>
         </p:txBody>
       </p:sp>
@@ -35240,18 +36207,34 @@
           <a:p>
             <a:pPr algn="ctr"/>
             <a:r>
-              <a:rPr kumimoji="1" lang="en-US" altLang="zh-CN" dirty="0"/>
+              <a:rPr kumimoji="1" lang="en-US" altLang="zh-CN" dirty="0">
+                <a:solidFill>
+                  <a:schemeClr val="tx1"/>
+                </a:solidFill>
+              </a:rPr>
               <a:t>concolic</a:t>
             </a:r>
             <a:r>
-              <a:rPr kumimoji="1" lang="zh-CN" altLang="en-US" dirty="0"/>
-              <a:t> </a:t>
-            </a:r>
-            <a:r>
-              <a:rPr kumimoji="1" lang="en-US" altLang="zh-CN" dirty="0"/>
+              <a:rPr kumimoji="1" lang="zh-CN" altLang="en-US" dirty="0">
+                <a:solidFill>
+                  <a:schemeClr val="tx1"/>
+                </a:solidFill>
+              </a:rPr>
+              <a:t> </a:t>
+            </a:r>
+            <a:r>
+              <a:rPr kumimoji="1" lang="en-US" altLang="zh-CN" dirty="0">
+                <a:solidFill>
+                  <a:schemeClr val="tx1"/>
+                </a:solidFill>
+              </a:rPr>
               <a:t>executor</a:t>
             </a:r>
-            <a:endParaRPr kumimoji="1" lang="zh-CN" altLang="en-US" dirty="0"/>
+            <a:endParaRPr kumimoji="1" lang="zh-CN" altLang="en-US" dirty="0">
+              <a:solidFill>
+                <a:schemeClr val="tx1"/>
+              </a:solidFill>
+            </a:endParaRPr>
           </a:p>
         </p:txBody>
       </p:sp>
@@ -35277,7 +36260,7 @@
           <a:prstGeom prst="straightConnector1">
             <a:avLst/>
           </a:prstGeom>
-          <a:ln>
+          <a:ln w="38100">
             <a:tailEnd type="triangle"/>
           </a:ln>
         </p:spPr>
@@ -35339,10 +36322,18 @@
           <a:p>
             <a:pPr algn="ctr"/>
             <a:r>
-              <a:rPr kumimoji="1" lang="en-US" altLang="zh-CN" dirty="0"/>
+              <a:rPr kumimoji="1" lang="en-US" altLang="zh-CN" dirty="0">
+                <a:solidFill>
+                  <a:schemeClr val="tx1"/>
+                </a:solidFill>
+              </a:rPr>
               <a:t>solver</a:t>
             </a:r>
-            <a:endParaRPr kumimoji="1" lang="zh-CN" altLang="en-US" dirty="0"/>
+            <a:endParaRPr kumimoji="1" lang="zh-CN" altLang="en-US" dirty="0">
+              <a:solidFill>
+                <a:schemeClr val="tx1"/>
+              </a:solidFill>
+            </a:endParaRPr>
           </a:p>
         </p:txBody>
       </p:sp>
@@ -35464,7 +36455,7 @@
           <a:prstGeom prst="straightConnector1">
             <a:avLst/>
           </a:prstGeom>
-          <a:ln>
+          <a:ln w="38100">
             <a:tailEnd type="triangle"/>
           </a:ln>
         </p:spPr>
@@ -35543,7 +36534,7 @@
           <a:prstGeom prst="straightConnector1">
             <a:avLst/>
           </a:prstGeom>
-          <a:ln>
+          <a:ln w="38100">
             <a:tailEnd type="triangle"/>
           </a:ln>
         </p:spPr>
@@ -35585,7 +36576,7 @@
           <a:prstGeom prst="straightConnector1">
             <a:avLst/>
           </a:prstGeom>
-          <a:ln>
+          <a:ln w="38100">
             <a:tailEnd type="triangle"/>
           </a:ln>
         </p:spPr>
@@ -35663,7 +36654,7 @@
           <a:prstGeom prst="straightConnector1">
             <a:avLst/>
           </a:prstGeom>
-          <a:ln>
+          <a:ln w="38100">
             <a:tailEnd type="triangle"/>
           </a:ln>
         </p:spPr>
